--- a/multithreading/multithreading_version_1.0.pptx
+++ b/multithreading/multithreading_version_1.0.pptx
@@ -4275,10 +4275,10 @@
       </p:sp>
       <p:pic>
         <p:nvPicPr>
-          <p:cNvPr id="3" name="图片 2">
+          <p:cNvPr id="2" name="图片 1">
             <a:extLst>
               <a:ext uri="{FF2B5EF4-FFF2-40B4-BE49-F238E27FC236}">
-                <a16:creationId xmlns:a16="http://schemas.microsoft.com/office/drawing/2014/main" id="{163E38D7-4853-EF4D-B4AE-B1DB1C8FF36D}"/>
+                <a16:creationId xmlns:a16="http://schemas.microsoft.com/office/drawing/2014/main" id="{D6209563-2F32-024C-A1C6-A1FC32CE92B9}"/>
               </a:ext>
             </a:extLst>
           </p:cNvPr>
@@ -4295,8 +4295,8 @@
         </p:blipFill>
         <p:spPr>
           <a:xfrm>
-            <a:off x="3387929" y="1397659"/>
-            <a:ext cx="5384271" cy="2723079"/>
+            <a:off x="3120077" y="878774"/>
+            <a:ext cx="5358905" cy="4011523"/>
           </a:xfrm>
           <a:prstGeom prst="rect">
             <a:avLst/>
@@ -4368,7 +4368,7 @@
                 <a:cs typeface="+mn-ea"/>
                 <a:sym typeface="+mn-lt"/>
               </a:rPr>
-              <a:t>What Is Multithreading?</a:t>
+              <a:t>What is a Thread?</a:t>
             </a:r>
           </a:p>
         </p:txBody>
@@ -5187,161 +5187,124 @@
           </a:bodyPr>
           <a:lstStyle/>
           <a:p>
+            <a:pPr marL="342900" indent="-342900">
+              <a:buFont typeface="Wingdings" pitchFamily="2" charset="2"/>
+              <a:buChar char="Ø"/>
+            </a:pPr>
             <a:r>
               <a:rPr lang="en-US" altLang="zh-CN" sz="2400" b="1" dirty="0">
-                <a:solidFill>
-                  <a:srgbClr val="FF0000"/>
-                </a:solidFill>
                 <a:latin typeface="仿宋" panose="02010609060101010101" pitchFamily="49" charset="-122"/>
                 <a:ea typeface="仿宋" panose="02010609060101010101" pitchFamily="49" charset="-122"/>
                 <a:cs typeface="+mn-ea"/>
                 <a:sym typeface="+mn-lt"/>
               </a:rPr>
-              <a:t>    </a:t>
-            </a:r>
-            <a:r>
-              <a:rPr lang="en-US" altLang="zh-CN" sz="2400" b="1" dirty="0" err="1">
-                <a:solidFill>
-                  <a:srgbClr val="FF0000"/>
+              <a:t>Almost every operating system supports independently running programs called processes. </a:t>
+            </a:r>
+            <a:r>
+              <a:rPr lang="en-US" altLang="zh-CN" sz="2400" b="1" dirty="0">
+                <a:solidFill>
+                  <a:srgbClr val="92D050"/>
                 </a:solidFill>
                 <a:latin typeface="仿宋" panose="02010609060101010101" pitchFamily="49" charset="-122"/>
                 <a:ea typeface="仿宋" panose="02010609060101010101" pitchFamily="49" charset="-122"/>
                 <a:cs typeface="+mn-ea"/>
                 <a:sym typeface="+mn-lt"/>
               </a:rPr>
-              <a:t>Netty</a:t>
+              <a:t>Threading is a facility to allow multiple activities to coexist within a single process</a:t>
             </a:r>
             <a:r>
               <a:rPr lang="en-US" altLang="zh-CN" sz="2400" b="1" dirty="0">
-                <a:solidFill>
-                  <a:srgbClr val="FF0000"/>
-                </a:solidFill>
                 <a:latin typeface="仿宋" panose="02010609060101010101" pitchFamily="49" charset="-122"/>
                 <a:ea typeface="仿宋" panose="02010609060101010101" pitchFamily="49" charset="-122"/>
                 <a:cs typeface="+mn-ea"/>
                 <a:sym typeface="+mn-lt"/>
               </a:rPr>
-              <a:t> is an asynchronous event-driven network application framework </a:t>
-            </a:r>
-          </a:p>
-          <a:p>
+              <a:t>.</a:t>
+            </a:r>
             <a:r>
               <a:rPr lang="en-US" altLang="zh-CN" sz="2400" b="1" dirty="0">
                 <a:solidFill>
-                  <a:srgbClr val="FF0000"/>
+                  <a:srgbClr val="0070C0"/>
                 </a:solidFill>
                 <a:latin typeface="仿宋" panose="02010609060101010101" pitchFamily="49" charset="-122"/>
                 <a:ea typeface="仿宋" panose="02010609060101010101" pitchFamily="49" charset="-122"/>
                 <a:cs typeface="+mn-ea"/>
                 <a:sym typeface="+mn-lt"/>
               </a:rPr>
-              <a:t>for rapid development of maintainable high performance protocol servers &amp; clients.</a:t>
-            </a:r>
-          </a:p>
-          <a:p>
-            <a:pPr marL="342900" indent="-342900">
-              <a:buFont typeface="Wingdings" panose="05000000000000000000" pitchFamily="2" charset="2"/>
-              <a:buChar char="Ø"/>
-            </a:pPr>
-            <a:r>
-              <a:rPr lang="en-US" altLang="zh-CN" sz="2400" b="1" dirty="0" err="1">
-                <a:solidFill>
-                  <a:srgbClr val="06080A"/>
-                </a:solidFill>
+              <a:t> </a:t>
+            </a:r>
+            <a:r>
+              <a:rPr lang="en-US" altLang="zh-CN" sz="2400" b="1" dirty="0">
                 <a:latin typeface="仿宋" panose="02010609060101010101" pitchFamily="49" charset="-122"/>
                 <a:ea typeface="仿宋" panose="02010609060101010101" pitchFamily="49" charset="-122"/>
                 <a:cs typeface="+mn-ea"/>
                 <a:sym typeface="+mn-lt"/>
               </a:rPr>
-              <a:t>Netty</a:t>
-            </a:r>
+              <a:t>Java is the first programming language to explicitly include threading within the language itself, rather than treating it as a facility of the underlying OS.</a:t>
+            </a:r>
+          </a:p>
+          <a:p>
+            <a:pPr marL="342900" indent="-342900">
+              <a:buFont typeface="Wingdings" pitchFamily="2" charset="2"/>
+              <a:buChar char="Ø"/>
+            </a:pPr>
             <a:r>
               <a:rPr lang="en-US" altLang="zh-CN" sz="2400" b="1" dirty="0">
-                <a:solidFill>
-                  <a:srgbClr val="06080A"/>
-                </a:solidFill>
                 <a:latin typeface="仿宋" panose="02010609060101010101" pitchFamily="49" charset="-122"/>
                 <a:ea typeface="仿宋" panose="02010609060101010101" pitchFamily="49" charset="-122"/>
                 <a:cs typeface="+mn-ea"/>
                 <a:sym typeface="+mn-lt"/>
               </a:rPr>
-              <a:t> is a NIO client server framework which enables quick and easy development of network applications such as protocol servers and clients. It greatly simplifies and streamlines network programming such as TCP and UDP socket server.</a:t>
-            </a:r>
-          </a:p>
-          <a:p>
-            <a:pPr marL="342900" indent="-342900">
-              <a:buFont typeface="Wingdings" panose="05000000000000000000" pitchFamily="2" charset="2"/>
-              <a:buChar char="Ø"/>
-            </a:pPr>
+              <a:t>Threads are sometimes called as </a:t>
+            </a:r>
             <a:r>
               <a:rPr lang="en-US" altLang="zh-CN" sz="2400" b="1" dirty="0">
                 <a:solidFill>
-                  <a:srgbClr val="06080A"/>
+                  <a:srgbClr val="92D050"/>
                 </a:solidFill>
                 <a:latin typeface="仿宋" panose="02010609060101010101" pitchFamily="49" charset="-122"/>
                 <a:ea typeface="仿宋" panose="02010609060101010101" pitchFamily="49" charset="-122"/>
                 <a:cs typeface="+mn-ea"/>
                 <a:sym typeface="+mn-lt"/>
               </a:rPr>
-              <a:t>'Quick and easy' doesn't mean that a resulting application will suffer from a maintainability or a performance issue. </a:t>
-            </a:r>
-            <a:r>
-              <a:rPr lang="en-US" altLang="zh-CN" sz="2400" b="1" dirty="0" err="1">
-                <a:solidFill>
-                  <a:srgbClr val="06080A"/>
-                </a:solidFill>
+              <a:t>lightweight processes</a:t>
+            </a:r>
+            <a:r>
+              <a:rPr lang="en-US" altLang="zh-CN" sz="2400" b="1" dirty="0">
                 <a:latin typeface="仿宋" panose="02010609060101010101" pitchFamily="49" charset="-122"/>
                 <a:ea typeface="仿宋" panose="02010609060101010101" pitchFamily="49" charset="-122"/>
                 <a:cs typeface="+mn-ea"/>
                 <a:sym typeface="+mn-lt"/>
               </a:rPr>
-              <a:t>Netty</a:t>
-            </a:r>
-            <a:r>
-              <a:rPr lang="en-US" altLang="zh-CN" sz="2400" b="1" dirty="0">
-                <a:solidFill>
-                  <a:srgbClr val="06080A"/>
-                </a:solidFill>
+              <a:t>. Like </a:t>
+            </a:r>
+            <a:r>
+              <a:rPr lang="en-US" altLang="zh-CN" sz="2400" b="1" dirty="0" err="1">
                 <a:latin typeface="仿宋" panose="02010609060101010101" pitchFamily="49" charset="-122"/>
                 <a:ea typeface="仿宋" panose="02010609060101010101" pitchFamily="49" charset="-122"/>
                 <a:cs typeface="+mn-ea"/>
                 <a:sym typeface="+mn-lt"/>
               </a:rPr>
-              <a:t> has been designed carefully with the experiences earned from the implementation of a lot of protocols such as FTP, SMTP, HTTP, and various binary and text-based legacy protocols. As a result, </a:t>
-            </a:r>
-            <a:r>
-              <a:rPr lang="en-US" altLang="zh-CN" sz="2400" b="1" dirty="0" err="1">
-                <a:solidFill>
-                  <a:srgbClr val="06080A"/>
-                </a:solidFill>
+              <a:t>processes,they</a:t>
+            </a:r>
+            <a:r>
+              <a:rPr lang="en-US" altLang="zh-CN" sz="2400" b="1" dirty="0">
                 <a:latin typeface="仿宋" panose="02010609060101010101" pitchFamily="49" charset="-122"/>
                 <a:ea typeface="仿宋" panose="02010609060101010101" pitchFamily="49" charset="-122"/>
                 <a:cs typeface="+mn-ea"/>
                 <a:sym typeface="+mn-lt"/>
               </a:rPr>
-              <a:t>Netty</a:t>
-            </a:r>
-            <a:r>
-              <a:rPr lang="en-US" altLang="zh-CN" sz="2400" b="1" dirty="0">
-                <a:solidFill>
-                  <a:srgbClr val="06080A"/>
-                </a:solidFill>
-                <a:latin typeface="仿宋" panose="02010609060101010101" pitchFamily="49" charset="-122"/>
-                <a:ea typeface="仿宋" panose="02010609060101010101" pitchFamily="49" charset="-122"/>
-                <a:cs typeface="+mn-ea"/>
-                <a:sym typeface="+mn-lt"/>
-              </a:rPr>
-              <a:t> has succeeded to find a way to achieve ease of development, performance, stability, and flexibility without a compromise.</a:t>
+              <a:t> work independently and each thread has its own stack, program counter, and local variables. Even though they have their own stuff, threads within a process are less insulated from each other than separate processes are. They share memory space, file handles, etc. This means they have access to the same variables and objects. While this makes it easier for them to share information, the programmer must be very careful not to let them interfere with each other in the same process.</a:t>
             </a:r>
           </a:p>
         </p:txBody>
       </p:sp>
       <p:pic>
         <p:nvPicPr>
-          <p:cNvPr id="2" name="图片 1">
+          <p:cNvPr id="3" name="图片 2">
             <a:extLst>
               <a:ext uri="{FF2B5EF4-FFF2-40B4-BE49-F238E27FC236}">
-                <a16:creationId xmlns:a16="http://schemas.microsoft.com/office/drawing/2014/main" id="{182A0110-2497-3248-9B0C-9CFCD201D4C8}"/>
+                <a16:creationId xmlns:a16="http://schemas.microsoft.com/office/drawing/2014/main" id="{FDDA9B28-8B7F-F94A-978D-5C83F4795C45}"/>
               </a:ext>
             </a:extLst>
           </p:cNvPr>
@@ -5358,8 +5321,8 @@
         </p:blipFill>
         <p:spPr>
           <a:xfrm>
-            <a:off x="387568" y="502481"/>
-            <a:ext cx="1274977" cy="717215"/>
+            <a:off x="265176" y="328467"/>
+            <a:ext cx="1378622" cy="697234"/>
           </a:xfrm>
           <a:prstGeom prst="rect">
             <a:avLst/>
@@ -6272,10 +6235,10 @@
       </p:pic>
       <p:pic>
         <p:nvPicPr>
-          <p:cNvPr id="6" name="图片 5">
+          <p:cNvPr id="7" name="图片 6">
             <a:extLst>
               <a:ext uri="{FF2B5EF4-FFF2-40B4-BE49-F238E27FC236}">
-                <a16:creationId xmlns:a16="http://schemas.microsoft.com/office/drawing/2014/main" id="{A79A69B3-40CF-F44B-9FE9-4C6567B2E82E}"/>
+                <a16:creationId xmlns:a16="http://schemas.microsoft.com/office/drawing/2014/main" id="{B9EBA33C-4A56-B742-870C-686C9527BE12}"/>
               </a:ext>
             </a:extLst>
           </p:cNvPr>
@@ -6292,8 +6255,8 @@
         </p:blipFill>
         <p:spPr>
           <a:xfrm>
-            <a:off x="387568" y="502481"/>
-            <a:ext cx="1274977" cy="717215"/>
+            <a:off x="265176" y="328467"/>
+            <a:ext cx="1378622" cy="697234"/>
           </a:xfrm>
           <a:prstGeom prst="rect">
             <a:avLst/>

--- a/multithreading/multithreading_version_1.0.pptx
+++ b/multithreading/multithreading_version_1.0.pptx
@@ -5,15 +5,17 @@
     <p:sldMasterId id="2147483648" r:id="rId1"/>
   </p:sldMasterIdLst>
   <p:notesMasterIdLst>
-    <p:notesMasterId r:id="rId8"/>
+    <p:notesMasterId r:id="rId10"/>
   </p:notesMasterIdLst>
   <p:sldIdLst>
     <p:sldId id="256" r:id="rId2"/>
     <p:sldId id="375" r:id="rId3"/>
-    <p:sldId id="376" r:id="rId4"/>
-    <p:sldId id="380" r:id="rId5"/>
-    <p:sldId id="284" r:id="rId6"/>
-    <p:sldId id="285" r:id="rId7"/>
+    <p:sldId id="381" r:id="rId4"/>
+    <p:sldId id="382" r:id="rId5"/>
+    <p:sldId id="376" r:id="rId6"/>
+    <p:sldId id="380" r:id="rId7"/>
+    <p:sldId id="284" r:id="rId8"/>
+    <p:sldId id="285" r:id="rId9"/>
   </p:sldIdLst>
   <p:sldSz cx="12192000" cy="6858000"/>
   <p:notesSz cx="6858000" cy="9144000"/>
@@ -202,7 +204,7 @@
           <a:p>
             <a:fld id="{2F409928-B102-49DA-BC3F-B1429420C51E}" type="datetimeFigureOut">
               <a:rPr lang="zh-CN" altLang="en-US" smtClean="0"/>
-              <a:t>2018/6/15</a:t>
+              <a:t>2018/6/26</a:t>
             </a:fld>
             <a:endParaRPr lang="zh-CN" altLang="en-US"/>
           </a:p>
@@ -598,7 +600,7 @@
           <a:p>
             <a:fld id="{D78CB7DF-692C-4B0D-A779-6487DB63A4DC}" type="datetimeFigureOut">
               <a:rPr lang="zh-CN" altLang="en-US" smtClean="0"/>
-              <a:t>2018/6/15</a:t>
+              <a:t>2018/6/26</a:t>
             </a:fld>
             <a:endParaRPr lang="zh-CN" altLang="en-US"/>
           </a:p>
@@ -766,7 +768,7 @@
           <a:p>
             <a:fld id="{D78CB7DF-692C-4B0D-A779-6487DB63A4DC}" type="datetimeFigureOut">
               <a:rPr lang="zh-CN" altLang="en-US" smtClean="0"/>
-              <a:t>2018/6/15</a:t>
+              <a:t>2018/6/26</a:t>
             </a:fld>
             <a:endParaRPr lang="zh-CN" altLang="en-US"/>
           </a:p>
@@ -944,7 +946,7 @@
           <a:p>
             <a:fld id="{D78CB7DF-692C-4B0D-A779-6487DB63A4DC}" type="datetimeFigureOut">
               <a:rPr lang="zh-CN" altLang="en-US" smtClean="0"/>
-              <a:t>2018/6/15</a:t>
+              <a:t>2018/6/26</a:t>
             </a:fld>
             <a:endParaRPr lang="zh-CN" altLang="en-US"/>
           </a:p>
@@ -1178,7 +1180,7 @@
           <a:p>
             <a:fld id="{D78CB7DF-692C-4B0D-A779-6487DB63A4DC}" type="datetimeFigureOut">
               <a:rPr lang="zh-CN" altLang="en-US" smtClean="0"/>
-              <a:t>2018/6/15</a:t>
+              <a:t>2018/6/26</a:t>
             </a:fld>
             <a:endParaRPr lang="zh-CN" altLang="en-US"/>
           </a:p>
@@ -1423,7 +1425,7 @@
           <a:p>
             <a:fld id="{D78CB7DF-692C-4B0D-A779-6487DB63A4DC}" type="datetimeFigureOut">
               <a:rPr lang="zh-CN" altLang="en-US" smtClean="0"/>
-              <a:t>2018/6/15</a:t>
+              <a:t>2018/6/26</a:t>
             </a:fld>
             <a:endParaRPr lang="zh-CN" altLang="en-US"/>
           </a:p>
@@ -1652,7 +1654,7 @@
           <a:p>
             <a:fld id="{D78CB7DF-692C-4B0D-A779-6487DB63A4DC}" type="datetimeFigureOut">
               <a:rPr lang="zh-CN" altLang="en-US" smtClean="0"/>
-              <a:t>2018/6/15</a:t>
+              <a:t>2018/6/26</a:t>
             </a:fld>
             <a:endParaRPr lang="zh-CN" altLang="en-US"/>
           </a:p>
@@ -2016,7 +2018,7 @@
           <a:p>
             <a:fld id="{D78CB7DF-692C-4B0D-A779-6487DB63A4DC}" type="datetimeFigureOut">
               <a:rPr lang="zh-CN" altLang="en-US" smtClean="0"/>
-              <a:t>2018/6/15</a:t>
+              <a:t>2018/6/26</a:t>
             </a:fld>
             <a:endParaRPr lang="zh-CN" altLang="en-US"/>
           </a:p>
@@ -2133,7 +2135,7 @@
           <a:p>
             <a:fld id="{D78CB7DF-692C-4B0D-A779-6487DB63A4DC}" type="datetimeFigureOut">
               <a:rPr lang="zh-CN" altLang="en-US" smtClean="0"/>
-              <a:t>2018/6/15</a:t>
+              <a:t>2018/6/26</a:t>
             </a:fld>
             <a:endParaRPr lang="zh-CN" altLang="en-US"/>
           </a:p>
@@ -2228,7 +2230,7 @@
           <a:p>
             <a:fld id="{D78CB7DF-692C-4B0D-A779-6487DB63A4DC}" type="datetimeFigureOut">
               <a:rPr lang="zh-CN" altLang="en-US" smtClean="0"/>
-              <a:t>2018/6/15</a:t>
+              <a:t>2018/6/26</a:t>
             </a:fld>
             <a:endParaRPr lang="zh-CN" altLang="en-US"/>
           </a:p>
@@ -2503,7 +2505,7 @@
           <a:p>
             <a:fld id="{D78CB7DF-692C-4B0D-A779-6487DB63A4DC}" type="datetimeFigureOut">
               <a:rPr lang="zh-CN" altLang="en-US" smtClean="0"/>
-              <a:t>2018/6/15</a:t>
+              <a:t>2018/6/26</a:t>
             </a:fld>
             <a:endParaRPr lang="zh-CN" altLang="en-US"/>
           </a:p>
@@ -2755,7 +2757,7 @@
           <a:p>
             <a:fld id="{D78CB7DF-692C-4B0D-A779-6487DB63A4DC}" type="datetimeFigureOut">
               <a:rPr lang="zh-CN" altLang="en-US" smtClean="0"/>
-              <a:t>2018/6/15</a:t>
+              <a:t>2018/6/26</a:t>
             </a:fld>
             <a:endParaRPr lang="zh-CN" altLang="en-US"/>
           </a:p>
@@ -2966,7 +2968,7 @@
           <a:p>
             <a:fld id="{D78CB7DF-692C-4B0D-A779-6487DB63A4DC}" type="datetimeFigureOut">
               <a:rPr lang="zh-CN" altLang="en-US" smtClean="0"/>
-              <a:t>2018/6/15</a:t>
+              <a:t>2018/6/26</a:t>
             </a:fld>
             <a:endParaRPr lang="zh-CN" altLang="en-US"/>
           </a:p>
@@ -5385,7 +5387,7 @@
           <a:lstStyle/>
           <a:p>
             <a:r>
-              <a:rPr lang="en-US" sz="2800" b="1" dirty="0" err="1">
+              <a:rPr lang="en-US" altLang="zh-CN" sz="2800" b="1" dirty="0">
                 <a:solidFill>
                   <a:srgbClr val="7030A0"/>
                 </a:solidFill>
@@ -5394,19 +5396,7 @@
                 <a:cs typeface="+mn-ea"/>
                 <a:sym typeface="+mn-lt"/>
               </a:rPr>
-              <a:t>Netty</a:t>
-            </a:r>
-            <a:r>
-              <a:rPr lang="en-US" sz="2800" b="1" dirty="0">
-                <a:solidFill>
-                  <a:srgbClr val="7030A0"/>
-                </a:solidFill>
-                <a:latin typeface="仿宋" panose="02010609060101010101" pitchFamily="49" charset="-122"/>
-                <a:ea typeface="仿宋" panose="02010609060101010101" pitchFamily="49" charset="-122"/>
-                <a:cs typeface="+mn-ea"/>
-                <a:sym typeface="+mn-lt"/>
-              </a:rPr>
-              <a:t> Architecture</a:t>
+              <a:t>What is a Thread?</a:t>
             </a:r>
           </a:p>
         </p:txBody>
@@ -6205,34 +6195,1964 @@
       </p:sp>
       <p:pic>
         <p:nvPicPr>
-          <p:cNvPr id="2" name="图片 1"/>
+          <p:cNvPr id="3" name="图片 2">
+            <a:extLst>
+              <a:ext uri="{FF2B5EF4-FFF2-40B4-BE49-F238E27FC236}">
+                <a16:creationId xmlns:a16="http://schemas.microsoft.com/office/drawing/2014/main" id="{FDDA9B28-8B7F-F94A-978D-5C83F4795C45}"/>
+              </a:ext>
+            </a:extLst>
+          </p:cNvPr>
           <p:cNvPicPr>
             <a:picLocks noChangeAspect="1"/>
           </p:cNvPicPr>
           <p:nvPr/>
         </p:nvPicPr>
         <p:blipFill>
-          <a:blip r:embed="rId2">
-            <a:extLst>
-              <a:ext uri="{28A0092B-C50C-407E-A947-70E740481C1C}">
-                <a14:useLocalDpi xmlns:a14="http://schemas.microsoft.com/office/drawing/2010/main" val="0"/>
-              </a:ext>
-            </a:extLst>
-          </a:blip>
+          <a:blip r:embed="rId2"/>
           <a:stretch>
             <a:fillRect/>
           </a:stretch>
         </p:blipFill>
         <p:spPr>
           <a:xfrm>
-            <a:off x="1154338" y="1207008"/>
-            <a:ext cx="7951900" cy="4674427"/>
+            <a:off x="265176" y="328467"/>
+            <a:ext cx="1378622" cy="697234"/>
           </a:xfrm>
           <a:prstGeom prst="rect">
             <a:avLst/>
           </a:prstGeom>
         </p:spPr>
       </p:pic>
+      <p:pic>
+        <p:nvPicPr>
+          <p:cNvPr id="7" name="图片 6">
+            <a:extLst>
+              <a:ext uri="{FF2B5EF4-FFF2-40B4-BE49-F238E27FC236}">
+                <a16:creationId xmlns:a16="http://schemas.microsoft.com/office/drawing/2014/main" id="{90342EC3-80D7-2B4F-A002-A4FB4E1CE983}"/>
+              </a:ext>
+            </a:extLst>
+          </p:cNvPr>
+          <p:cNvPicPr>
+            <a:picLocks noChangeAspect="1"/>
+          </p:cNvPicPr>
+          <p:nvPr/>
+        </p:nvPicPr>
+        <p:blipFill>
+          <a:blip r:embed="rId3"/>
+          <a:stretch>
+            <a:fillRect/>
+          </a:stretch>
+        </p:blipFill>
+        <p:spPr>
+          <a:xfrm>
+            <a:off x="457200" y="1268760"/>
+            <a:ext cx="6635080" cy="5176057"/>
+          </a:xfrm>
+          <a:prstGeom prst="rect">
+            <a:avLst/>
+          </a:prstGeom>
+        </p:spPr>
+      </p:pic>
+    </p:spTree>
+    <p:extLst>
+      <p:ext uri="{BB962C8B-B14F-4D97-AF65-F5344CB8AC3E}">
+        <p14:creationId xmlns:p14="http://schemas.microsoft.com/office/powerpoint/2010/main" val="3455214342"/>
+      </p:ext>
+    </p:extLst>
+  </p:cSld>
+  <p:clrMapOvr>
+    <a:masterClrMapping/>
+  </p:clrMapOvr>
+  <p:transition spd="slow">
+    <p:wipe/>
+  </p:transition>
+</p:sld>
+</file>
+
+<file path=ppt/slides/slide4.xml><?xml version="1.0" encoding="utf-8"?>
+<p:sld xmlns:a="http://schemas.openxmlformats.org/drawingml/2006/main" xmlns:r="http://schemas.openxmlformats.org/officeDocument/2006/relationships" xmlns:p="http://schemas.openxmlformats.org/presentationml/2006/main">
+  <p:cSld>
+    <p:spTree>
+      <p:nvGrpSpPr>
+        <p:cNvPr id="1" name=""/>
+        <p:cNvGrpSpPr/>
+        <p:nvPr/>
+      </p:nvGrpSpPr>
+      <p:grpSpPr>
+        <a:xfrm>
+          <a:off x="0" y="0"/>
+          <a:ext cx="0" cy="0"/>
+          <a:chOff x="0" y="0"/>
+          <a:chExt cx="0" cy="0"/>
+        </a:xfrm>
+      </p:grpSpPr>
+      <p:sp>
+        <p:nvSpPr>
+          <p:cNvPr id="57" name="TextBox 50"/>
+          <p:cNvSpPr txBox="1"/>
+          <p:nvPr/>
+        </p:nvSpPr>
+        <p:spPr>
+          <a:xfrm>
+            <a:off x="1810512" y="502481"/>
+            <a:ext cx="9416459" cy="523220"/>
+          </a:xfrm>
+          <a:prstGeom prst="rect">
+            <a:avLst/>
+          </a:prstGeom>
+          <a:noFill/>
+        </p:spPr>
+        <p:txBody>
+          <a:bodyPr wrap="square" rtlCol="0">
+            <a:spAutoFit/>
+          </a:bodyPr>
+          <a:lstStyle/>
+          <a:p>
+            <a:r>
+              <a:rPr lang="en-US" altLang="zh-CN" sz="2800" b="1" dirty="0">
+                <a:solidFill>
+                  <a:srgbClr val="7030A0"/>
+                </a:solidFill>
+                <a:latin typeface="仿宋" panose="02010609060101010101" pitchFamily="49" charset="-122"/>
+                <a:ea typeface="仿宋" panose="02010609060101010101" pitchFamily="49" charset="-122"/>
+                <a:cs typeface="+mn-ea"/>
+                <a:sym typeface="+mn-lt"/>
+              </a:rPr>
+              <a:t>What is a Thread?</a:t>
+            </a:r>
+          </a:p>
+        </p:txBody>
+      </p:sp>
+      <p:sp>
+        <p:nvSpPr>
+          <p:cNvPr id="63" name="矩形 62"/>
+          <p:cNvSpPr/>
+          <p:nvPr/>
+        </p:nvSpPr>
+        <p:spPr>
+          <a:xfrm>
+            <a:off x="0" y="6624130"/>
+            <a:ext cx="775136" cy="230832"/>
+          </a:xfrm>
+          <a:prstGeom prst="rect">
+            <a:avLst/>
+          </a:prstGeom>
+        </p:spPr>
+        <p:txBody>
+          <a:bodyPr wrap="square">
+            <a:spAutoFit/>
+          </a:bodyPr>
+          <a:lstStyle/>
+          <a:p>
+            <a:pPr marL="0" marR="0" lvl="0" indent="0" defTabSz="914400" eaLnBrk="1" fontAlgn="auto" latinLnBrk="0" hangingPunct="1">
+              <a:lnSpc>
+                <a:spcPct val="100000"/>
+              </a:lnSpc>
+              <a:spcBef>
+                <a:spcPts val="0"/>
+              </a:spcBef>
+              <a:spcAft>
+                <a:spcPts val="0"/>
+              </a:spcAft>
+              <a:buClrTx/>
+              <a:buSzTx/>
+              <a:buFontTx/>
+              <a:buNone/>
+              <a:tabLst/>
+              <a:defRPr/>
+            </a:pPr>
+            <a:r>
+              <a:rPr kumimoji="0" lang="en-US" altLang="zh-CN" sz="100" b="0" i="0" u="none" strike="noStrike" kern="0" cap="none" spc="0" normalizeH="0" baseline="0" noProof="0" dirty="0">
+                <a:ln>
+                  <a:noFill/>
+                </a:ln>
+                <a:solidFill>
+                  <a:sysClr val="window" lastClr="FFFFFF"/>
+                </a:solidFill>
+                <a:effectLst/>
+                <a:uLnTx/>
+                <a:uFillTx/>
+              </a:rPr>
+              <a:t>PPT</a:t>
+            </a:r>
+            <a:r>
+              <a:rPr kumimoji="0" lang="zh-CN" altLang="en-US" sz="100" b="0" i="0" u="none" strike="noStrike" kern="0" cap="none" spc="0" normalizeH="0" baseline="0" noProof="0" dirty="0">
+                <a:ln>
+                  <a:noFill/>
+                </a:ln>
+                <a:solidFill>
+                  <a:sysClr val="window" lastClr="FFFFFF"/>
+                </a:solidFill>
+                <a:effectLst/>
+                <a:uLnTx/>
+                <a:uFillTx/>
+              </a:rPr>
+              <a:t>模板下载：</a:t>
+            </a:r>
+            <a:r>
+              <a:rPr kumimoji="0" lang="en-US" altLang="zh-CN" sz="100" b="0" i="0" u="none" strike="noStrike" kern="0" cap="none" spc="0" normalizeH="0" baseline="0" noProof="0" dirty="0">
+                <a:ln>
+                  <a:noFill/>
+                </a:ln>
+                <a:solidFill>
+                  <a:sysClr val="window" lastClr="FFFFFF"/>
+                </a:solidFill>
+                <a:effectLst/>
+                <a:uLnTx/>
+                <a:uFillTx/>
+              </a:rPr>
+              <a:t>www.1ppt.com/moban/     </a:t>
+            </a:r>
+            <a:r>
+              <a:rPr kumimoji="0" lang="zh-CN" altLang="en-US" sz="100" b="0" i="0" u="none" strike="noStrike" kern="0" cap="none" spc="0" normalizeH="0" baseline="0" noProof="0" dirty="0">
+                <a:ln>
+                  <a:noFill/>
+                </a:ln>
+                <a:solidFill>
+                  <a:sysClr val="window" lastClr="FFFFFF"/>
+                </a:solidFill>
+                <a:effectLst/>
+                <a:uLnTx/>
+                <a:uFillTx/>
+              </a:rPr>
+              <a:t>行业</a:t>
+            </a:r>
+            <a:r>
+              <a:rPr kumimoji="0" lang="en-US" altLang="zh-CN" sz="100" b="0" i="0" u="none" strike="noStrike" kern="0" cap="none" spc="0" normalizeH="0" baseline="0" noProof="0" dirty="0">
+                <a:ln>
+                  <a:noFill/>
+                </a:ln>
+                <a:solidFill>
+                  <a:sysClr val="window" lastClr="FFFFFF"/>
+                </a:solidFill>
+                <a:effectLst/>
+                <a:uLnTx/>
+                <a:uFillTx/>
+              </a:rPr>
+              <a:t>PPT</a:t>
+            </a:r>
+            <a:r>
+              <a:rPr kumimoji="0" lang="zh-CN" altLang="en-US" sz="100" b="0" i="0" u="none" strike="noStrike" kern="0" cap="none" spc="0" normalizeH="0" baseline="0" noProof="0" dirty="0">
+                <a:ln>
+                  <a:noFill/>
+                </a:ln>
+                <a:solidFill>
+                  <a:sysClr val="window" lastClr="FFFFFF"/>
+                </a:solidFill>
+                <a:effectLst/>
+                <a:uLnTx/>
+                <a:uFillTx/>
+              </a:rPr>
+              <a:t>模板：</a:t>
+            </a:r>
+            <a:r>
+              <a:rPr kumimoji="0" lang="en-US" altLang="zh-CN" sz="100" b="0" i="0" u="none" strike="noStrike" kern="0" cap="none" spc="0" normalizeH="0" baseline="0" noProof="0" dirty="0">
+                <a:ln>
+                  <a:noFill/>
+                </a:ln>
+                <a:solidFill>
+                  <a:sysClr val="window" lastClr="FFFFFF"/>
+                </a:solidFill>
+                <a:effectLst/>
+                <a:uLnTx/>
+                <a:uFillTx/>
+              </a:rPr>
+              <a:t>www.1ppt.com/hangye/ </a:t>
+            </a:r>
+          </a:p>
+          <a:p>
+            <a:pPr marL="0" marR="0" lvl="0" indent="0" defTabSz="914400" eaLnBrk="1" fontAlgn="auto" latinLnBrk="0" hangingPunct="1">
+              <a:lnSpc>
+                <a:spcPct val="100000"/>
+              </a:lnSpc>
+              <a:spcBef>
+                <a:spcPts val="0"/>
+              </a:spcBef>
+              <a:spcAft>
+                <a:spcPts val="0"/>
+              </a:spcAft>
+              <a:buClrTx/>
+              <a:buSzTx/>
+              <a:buFontTx/>
+              <a:buNone/>
+              <a:tabLst/>
+              <a:defRPr/>
+            </a:pPr>
+            <a:r>
+              <a:rPr kumimoji="0" lang="zh-CN" altLang="en-US" sz="100" b="0" i="0" u="none" strike="noStrike" kern="0" cap="none" spc="0" normalizeH="0" baseline="0" noProof="0" dirty="0">
+                <a:ln>
+                  <a:noFill/>
+                </a:ln>
+                <a:solidFill>
+                  <a:sysClr val="window" lastClr="FFFFFF"/>
+                </a:solidFill>
+                <a:effectLst/>
+                <a:uLnTx/>
+                <a:uFillTx/>
+              </a:rPr>
+              <a:t>节日</a:t>
+            </a:r>
+            <a:r>
+              <a:rPr kumimoji="0" lang="en-US" altLang="zh-CN" sz="100" b="0" i="0" u="none" strike="noStrike" kern="0" cap="none" spc="0" normalizeH="0" baseline="0" noProof="0" dirty="0">
+                <a:ln>
+                  <a:noFill/>
+                </a:ln>
+                <a:solidFill>
+                  <a:sysClr val="window" lastClr="FFFFFF"/>
+                </a:solidFill>
+                <a:effectLst/>
+                <a:uLnTx/>
+                <a:uFillTx/>
+              </a:rPr>
+              <a:t>PPT</a:t>
+            </a:r>
+            <a:r>
+              <a:rPr kumimoji="0" lang="zh-CN" altLang="en-US" sz="100" b="0" i="0" u="none" strike="noStrike" kern="0" cap="none" spc="0" normalizeH="0" baseline="0" noProof="0" dirty="0">
+                <a:ln>
+                  <a:noFill/>
+                </a:ln>
+                <a:solidFill>
+                  <a:sysClr val="window" lastClr="FFFFFF"/>
+                </a:solidFill>
+                <a:effectLst/>
+                <a:uLnTx/>
+                <a:uFillTx/>
+              </a:rPr>
+              <a:t>模板：</a:t>
+            </a:r>
+            <a:r>
+              <a:rPr kumimoji="0" lang="en-US" altLang="zh-CN" sz="100" b="0" i="0" u="none" strike="noStrike" kern="0" cap="none" spc="0" normalizeH="0" baseline="0" noProof="0" dirty="0">
+                <a:ln>
+                  <a:noFill/>
+                </a:ln>
+                <a:solidFill>
+                  <a:sysClr val="window" lastClr="FFFFFF"/>
+                </a:solidFill>
+                <a:effectLst/>
+                <a:uLnTx/>
+                <a:uFillTx/>
+              </a:rPr>
+              <a:t>www.1ppt.com/jieri/           PPT</a:t>
+            </a:r>
+            <a:r>
+              <a:rPr kumimoji="0" lang="zh-CN" altLang="en-US" sz="100" b="0" i="0" u="none" strike="noStrike" kern="0" cap="none" spc="0" normalizeH="0" baseline="0" noProof="0" dirty="0">
+                <a:ln>
+                  <a:noFill/>
+                </a:ln>
+                <a:solidFill>
+                  <a:sysClr val="window" lastClr="FFFFFF"/>
+                </a:solidFill>
+                <a:effectLst/>
+                <a:uLnTx/>
+                <a:uFillTx/>
+              </a:rPr>
+              <a:t>素材下载：</a:t>
+            </a:r>
+            <a:r>
+              <a:rPr kumimoji="0" lang="en-US" altLang="zh-CN" sz="100" b="0" i="0" u="none" strike="noStrike" kern="0" cap="none" spc="0" normalizeH="0" baseline="0" noProof="0" dirty="0">
+                <a:ln>
+                  <a:noFill/>
+                </a:ln>
+                <a:solidFill>
+                  <a:sysClr val="window" lastClr="FFFFFF"/>
+                </a:solidFill>
+                <a:effectLst/>
+                <a:uLnTx/>
+                <a:uFillTx/>
+              </a:rPr>
+              <a:t>www.1ppt.com/sucai/</a:t>
+            </a:r>
+          </a:p>
+          <a:p>
+            <a:pPr marL="0" marR="0" lvl="0" indent="0" defTabSz="914400" eaLnBrk="1" fontAlgn="auto" latinLnBrk="0" hangingPunct="1">
+              <a:lnSpc>
+                <a:spcPct val="100000"/>
+              </a:lnSpc>
+              <a:spcBef>
+                <a:spcPts val="0"/>
+              </a:spcBef>
+              <a:spcAft>
+                <a:spcPts val="0"/>
+              </a:spcAft>
+              <a:buClrTx/>
+              <a:buSzTx/>
+              <a:buFontTx/>
+              <a:buNone/>
+              <a:tabLst/>
+              <a:defRPr/>
+            </a:pPr>
+            <a:r>
+              <a:rPr kumimoji="0" lang="en-US" altLang="zh-CN" sz="100" b="0" i="0" u="none" strike="noStrike" kern="0" cap="none" spc="0" normalizeH="0" baseline="0" noProof="0" dirty="0">
+                <a:ln>
+                  <a:noFill/>
+                </a:ln>
+                <a:solidFill>
+                  <a:sysClr val="window" lastClr="FFFFFF"/>
+                </a:solidFill>
+                <a:effectLst/>
+                <a:uLnTx/>
+                <a:uFillTx/>
+              </a:rPr>
+              <a:t>PPT</a:t>
+            </a:r>
+            <a:r>
+              <a:rPr kumimoji="0" lang="zh-CN" altLang="en-US" sz="100" b="0" i="0" u="none" strike="noStrike" kern="0" cap="none" spc="0" normalizeH="0" baseline="0" noProof="0" dirty="0">
+                <a:ln>
+                  <a:noFill/>
+                </a:ln>
+                <a:solidFill>
+                  <a:sysClr val="window" lastClr="FFFFFF"/>
+                </a:solidFill>
+                <a:effectLst/>
+                <a:uLnTx/>
+                <a:uFillTx/>
+              </a:rPr>
+              <a:t>背景图片：</a:t>
+            </a:r>
+            <a:r>
+              <a:rPr kumimoji="0" lang="en-US" altLang="zh-CN" sz="100" b="0" i="0" u="none" strike="noStrike" kern="0" cap="none" spc="0" normalizeH="0" baseline="0" noProof="0" dirty="0">
+                <a:ln>
+                  <a:noFill/>
+                </a:ln>
+                <a:solidFill>
+                  <a:sysClr val="window" lastClr="FFFFFF"/>
+                </a:solidFill>
+                <a:effectLst/>
+                <a:uLnTx/>
+                <a:uFillTx/>
+              </a:rPr>
+              <a:t>www.1ppt.com/beijing/      PPT</a:t>
+            </a:r>
+            <a:r>
+              <a:rPr kumimoji="0" lang="zh-CN" altLang="en-US" sz="100" b="0" i="0" u="none" strike="noStrike" kern="0" cap="none" spc="0" normalizeH="0" baseline="0" noProof="0" dirty="0">
+                <a:ln>
+                  <a:noFill/>
+                </a:ln>
+                <a:solidFill>
+                  <a:sysClr val="window" lastClr="FFFFFF"/>
+                </a:solidFill>
+                <a:effectLst/>
+                <a:uLnTx/>
+                <a:uFillTx/>
+              </a:rPr>
+              <a:t>图表下载：</a:t>
+            </a:r>
+            <a:r>
+              <a:rPr kumimoji="0" lang="en-US" altLang="zh-CN" sz="100" b="0" i="0" u="none" strike="noStrike" kern="0" cap="none" spc="0" normalizeH="0" baseline="0" noProof="0" dirty="0">
+                <a:ln>
+                  <a:noFill/>
+                </a:ln>
+                <a:solidFill>
+                  <a:sysClr val="window" lastClr="FFFFFF"/>
+                </a:solidFill>
+                <a:effectLst/>
+                <a:uLnTx/>
+                <a:uFillTx/>
+              </a:rPr>
+              <a:t>www.1ppt.com/tubiao/      </a:t>
+            </a:r>
+          </a:p>
+          <a:p>
+            <a:pPr marL="0" marR="0" lvl="0" indent="0" defTabSz="914400" eaLnBrk="1" fontAlgn="auto" latinLnBrk="0" hangingPunct="1">
+              <a:lnSpc>
+                <a:spcPct val="100000"/>
+              </a:lnSpc>
+              <a:spcBef>
+                <a:spcPts val="0"/>
+              </a:spcBef>
+              <a:spcAft>
+                <a:spcPts val="0"/>
+              </a:spcAft>
+              <a:buClrTx/>
+              <a:buSzTx/>
+              <a:buFontTx/>
+              <a:buNone/>
+              <a:tabLst/>
+              <a:defRPr/>
+            </a:pPr>
+            <a:r>
+              <a:rPr kumimoji="0" lang="zh-CN" altLang="en-US" sz="100" b="0" i="0" u="none" strike="noStrike" kern="0" cap="none" spc="0" normalizeH="0" baseline="0" noProof="0" dirty="0">
+                <a:ln>
+                  <a:noFill/>
+                </a:ln>
+                <a:solidFill>
+                  <a:sysClr val="window" lastClr="FFFFFF"/>
+                </a:solidFill>
+                <a:effectLst/>
+                <a:uLnTx/>
+                <a:uFillTx/>
+              </a:rPr>
+              <a:t>优秀</a:t>
+            </a:r>
+            <a:r>
+              <a:rPr kumimoji="0" lang="en-US" altLang="zh-CN" sz="100" b="0" i="0" u="none" strike="noStrike" kern="0" cap="none" spc="0" normalizeH="0" baseline="0" noProof="0" dirty="0">
+                <a:ln>
+                  <a:noFill/>
+                </a:ln>
+                <a:solidFill>
+                  <a:sysClr val="window" lastClr="FFFFFF"/>
+                </a:solidFill>
+                <a:effectLst/>
+                <a:uLnTx/>
+                <a:uFillTx/>
+              </a:rPr>
+              <a:t>PPT</a:t>
+            </a:r>
+            <a:r>
+              <a:rPr kumimoji="0" lang="zh-CN" altLang="en-US" sz="100" b="0" i="0" u="none" strike="noStrike" kern="0" cap="none" spc="0" normalizeH="0" baseline="0" noProof="0" dirty="0">
+                <a:ln>
+                  <a:noFill/>
+                </a:ln>
+                <a:solidFill>
+                  <a:sysClr val="window" lastClr="FFFFFF"/>
+                </a:solidFill>
+                <a:effectLst/>
+                <a:uLnTx/>
+                <a:uFillTx/>
+              </a:rPr>
+              <a:t>下载：</a:t>
+            </a:r>
+            <a:r>
+              <a:rPr kumimoji="0" lang="en-US" altLang="zh-CN" sz="100" b="0" i="0" u="none" strike="noStrike" kern="0" cap="none" spc="0" normalizeH="0" baseline="0" noProof="0" dirty="0">
+                <a:ln>
+                  <a:noFill/>
+                </a:ln>
+                <a:solidFill>
+                  <a:sysClr val="window" lastClr="FFFFFF"/>
+                </a:solidFill>
+                <a:effectLst/>
+                <a:uLnTx/>
+                <a:uFillTx/>
+              </a:rPr>
+              <a:t>www.1ppt.com/xiazai/        PPT</a:t>
+            </a:r>
+            <a:r>
+              <a:rPr kumimoji="0" lang="zh-CN" altLang="en-US" sz="100" b="0" i="0" u="none" strike="noStrike" kern="0" cap="none" spc="0" normalizeH="0" baseline="0" noProof="0" dirty="0">
+                <a:ln>
+                  <a:noFill/>
+                </a:ln>
+                <a:solidFill>
+                  <a:sysClr val="window" lastClr="FFFFFF"/>
+                </a:solidFill>
+                <a:effectLst/>
+                <a:uLnTx/>
+                <a:uFillTx/>
+              </a:rPr>
+              <a:t>教程： </a:t>
+            </a:r>
+            <a:r>
+              <a:rPr kumimoji="0" lang="en-US" altLang="zh-CN" sz="100" b="0" i="0" u="none" strike="noStrike" kern="0" cap="none" spc="0" normalizeH="0" baseline="0" noProof="0" dirty="0">
+                <a:ln>
+                  <a:noFill/>
+                </a:ln>
+                <a:solidFill>
+                  <a:sysClr val="window" lastClr="FFFFFF"/>
+                </a:solidFill>
+                <a:effectLst/>
+                <a:uLnTx/>
+                <a:uFillTx/>
+              </a:rPr>
+              <a:t>www.1ppt.com/powerpoint/      </a:t>
+            </a:r>
+          </a:p>
+          <a:p>
+            <a:pPr marL="0" marR="0" lvl="0" indent="0" defTabSz="914400" eaLnBrk="1" fontAlgn="auto" latinLnBrk="0" hangingPunct="1">
+              <a:lnSpc>
+                <a:spcPct val="100000"/>
+              </a:lnSpc>
+              <a:spcBef>
+                <a:spcPts val="0"/>
+              </a:spcBef>
+              <a:spcAft>
+                <a:spcPts val="0"/>
+              </a:spcAft>
+              <a:buClrTx/>
+              <a:buSzTx/>
+              <a:buFontTx/>
+              <a:buNone/>
+              <a:tabLst/>
+              <a:defRPr/>
+            </a:pPr>
+            <a:r>
+              <a:rPr kumimoji="0" lang="en-US" altLang="zh-CN" sz="100" b="0" i="0" u="none" strike="noStrike" kern="0" cap="none" spc="0" normalizeH="0" baseline="0" noProof="0" dirty="0">
+                <a:ln>
+                  <a:noFill/>
+                </a:ln>
+                <a:solidFill>
+                  <a:sysClr val="window" lastClr="FFFFFF"/>
+                </a:solidFill>
+                <a:effectLst/>
+                <a:uLnTx/>
+                <a:uFillTx/>
+              </a:rPr>
+              <a:t>Word</a:t>
+            </a:r>
+            <a:r>
+              <a:rPr kumimoji="0" lang="zh-CN" altLang="en-US" sz="100" b="0" i="0" u="none" strike="noStrike" kern="0" cap="none" spc="0" normalizeH="0" baseline="0" noProof="0" dirty="0">
+                <a:ln>
+                  <a:noFill/>
+                </a:ln>
+                <a:solidFill>
+                  <a:sysClr val="window" lastClr="FFFFFF"/>
+                </a:solidFill>
+                <a:effectLst/>
+                <a:uLnTx/>
+                <a:uFillTx/>
+              </a:rPr>
+              <a:t>教程： </a:t>
+            </a:r>
+            <a:r>
+              <a:rPr kumimoji="0" lang="en-US" altLang="zh-CN" sz="100" b="0" i="0" u="none" strike="noStrike" kern="0" cap="none" spc="0" normalizeH="0" baseline="0" noProof="0" dirty="0">
+                <a:ln>
+                  <a:noFill/>
+                </a:ln>
+                <a:solidFill>
+                  <a:sysClr val="window" lastClr="FFFFFF"/>
+                </a:solidFill>
+                <a:effectLst/>
+                <a:uLnTx/>
+                <a:uFillTx/>
+              </a:rPr>
+              <a:t>www.1ppt.com/word/              Excel</a:t>
+            </a:r>
+            <a:r>
+              <a:rPr kumimoji="0" lang="zh-CN" altLang="en-US" sz="100" b="0" i="0" u="none" strike="noStrike" kern="0" cap="none" spc="0" normalizeH="0" baseline="0" noProof="0" dirty="0">
+                <a:ln>
+                  <a:noFill/>
+                </a:ln>
+                <a:solidFill>
+                  <a:sysClr val="window" lastClr="FFFFFF"/>
+                </a:solidFill>
+                <a:effectLst/>
+                <a:uLnTx/>
+                <a:uFillTx/>
+              </a:rPr>
+              <a:t>教程：</a:t>
+            </a:r>
+            <a:r>
+              <a:rPr kumimoji="0" lang="en-US" altLang="zh-CN" sz="100" b="0" i="0" u="none" strike="noStrike" kern="0" cap="none" spc="0" normalizeH="0" baseline="0" noProof="0" dirty="0">
+                <a:ln>
+                  <a:noFill/>
+                </a:ln>
+                <a:solidFill>
+                  <a:sysClr val="window" lastClr="FFFFFF"/>
+                </a:solidFill>
+                <a:effectLst/>
+                <a:uLnTx/>
+                <a:uFillTx/>
+              </a:rPr>
+              <a:t>www.1ppt.com/excel/  </a:t>
+            </a:r>
+          </a:p>
+          <a:p>
+            <a:pPr marL="0" marR="0" lvl="0" indent="0" defTabSz="914400" eaLnBrk="1" fontAlgn="auto" latinLnBrk="0" hangingPunct="1">
+              <a:lnSpc>
+                <a:spcPct val="100000"/>
+              </a:lnSpc>
+              <a:spcBef>
+                <a:spcPts val="0"/>
+              </a:spcBef>
+              <a:spcAft>
+                <a:spcPts val="0"/>
+              </a:spcAft>
+              <a:buClrTx/>
+              <a:buSzTx/>
+              <a:buFontTx/>
+              <a:buNone/>
+              <a:tabLst/>
+              <a:defRPr/>
+            </a:pPr>
+            <a:r>
+              <a:rPr kumimoji="0" lang="zh-CN" altLang="en-US" sz="100" b="0" i="0" u="none" strike="noStrike" kern="0" cap="none" spc="0" normalizeH="0" baseline="0" noProof="0" dirty="0">
+                <a:ln>
+                  <a:noFill/>
+                </a:ln>
+                <a:solidFill>
+                  <a:sysClr val="window" lastClr="FFFFFF"/>
+                </a:solidFill>
+                <a:effectLst/>
+                <a:uLnTx/>
+                <a:uFillTx/>
+              </a:rPr>
+              <a:t>资料下载：</a:t>
+            </a:r>
+            <a:r>
+              <a:rPr kumimoji="0" lang="en-US" altLang="zh-CN" sz="100" b="0" i="0" u="none" strike="noStrike" kern="0" cap="none" spc="0" normalizeH="0" baseline="0" noProof="0" dirty="0">
+                <a:ln>
+                  <a:noFill/>
+                </a:ln>
+                <a:solidFill>
+                  <a:sysClr val="window" lastClr="FFFFFF"/>
+                </a:solidFill>
+                <a:effectLst/>
+                <a:uLnTx/>
+                <a:uFillTx/>
+              </a:rPr>
+              <a:t>www.1ppt.com/ziliao/                PPT</a:t>
+            </a:r>
+            <a:r>
+              <a:rPr kumimoji="0" lang="zh-CN" altLang="en-US" sz="100" b="0" i="0" u="none" strike="noStrike" kern="0" cap="none" spc="0" normalizeH="0" baseline="0" noProof="0" dirty="0">
+                <a:ln>
+                  <a:noFill/>
+                </a:ln>
+                <a:solidFill>
+                  <a:sysClr val="window" lastClr="FFFFFF"/>
+                </a:solidFill>
+                <a:effectLst/>
+                <a:uLnTx/>
+                <a:uFillTx/>
+              </a:rPr>
+              <a:t>课件下载：</a:t>
+            </a:r>
+            <a:r>
+              <a:rPr kumimoji="0" lang="en-US" altLang="zh-CN" sz="100" b="0" i="0" u="none" strike="noStrike" kern="0" cap="none" spc="0" normalizeH="0" baseline="0" noProof="0" dirty="0">
+                <a:ln>
+                  <a:noFill/>
+                </a:ln>
+                <a:solidFill>
+                  <a:sysClr val="window" lastClr="FFFFFF"/>
+                </a:solidFill>
+                <a:effectLst/>
+                <a:uLnTx/>
+                <a:uFillTx/>
+              </a:rPr>
+              <a:t>www.1ppt.com/kejian/ </a:t>
+            </a:r>
+          </a:p>
+          <a:p>
+            <a:pPr marL="0" marR="0" lvl="0" indent="0" defTabSz="914400" eaLnBrk="1" fontAlgn="auto" latinLnBrk="0" hangingPunct="1">
+              <a:lnSpc>
+                <a:spcPct val="100000"/>
+              </a:lnSpc>
+              <a:spcBef>
+                <a:spcPts val="0"/>
+              </a:spcBef>
+              <a:spcAft>
+                <a:spcPts val="0"/>
+              </a:spcAft>
+              <a:buClrTx/>
+              <a:buSzTx/>
+              <a:buFontTx/>
+              <a:buNone/>
+              <a:tabLst/>
+              <a:defRPr/>
+            </a:pPr>
+            <a:r>
+              <a:rPr kumimoji="0" lang="zh-CN" altLang="en-US" sz="100" b="0" i="0" u="none" strike="noStrike" kern="0" cap="none" spc="0" normalizeH="0" baseline="0" noProof="0" dirty="0">
+                <a:ln>
+                  <a:noFill/>
+                </a:ln>
+                <a:solidFill>
+                  <a:sysClr val="window" lastClr="FFFFFF"/>
+                </a:solidFill>
+                <a:effectLst/>
+                <a:uLnTx/>
+                <a:uFillTx/>
+              </a:rPr>
+              <a:t>范文下载：</a:t>
+            </a:r>
+            <a:r>
+              <a:rPr kumimoji="0" lang="en-US" altLang="zh-CN" sz="100" b="0" i="0" u="none" strike="noStrike" kern="0" cap="none" spc="0" normalizeH="0" baseline="0" noProof="0" dirty="0">
+                <a:ln>
+                  <a:noFill/>
+                </a:ln>
+                <a:solidFill>
+                  <a:sysClr val="window" lastClr="FFFFFF"/>
+                </a:solidFill>
+                <a:effectLst/>
+                <a:uLnTx/>
+                <a:uFillTx/>
+              </a:rPr>
+              <a:t>www.1ppt.com/fanwen/             </a:t>
+            </a:r>
+            <a:r>
+              <a:rPr kumimoji="0" lang="zh-CN" altLang="en-US" sz="100" b="0" i="0" u="none" strike="noStrike" kern="0" cap="none" spc="0" normalizeH="0" baseline="0" noProof="0" dirty="0">
+                <a:ln>
+                  <a:noFill/>
+                </a:ln>
+                <a:solidFill>
+                  <a:sysClr val="window" lastClr="FFFFFF"/>
+                </a:solidFill>
+                <a:effectLst/>
+                <a:uLnTx/>
+                <a:uFillTx/>
+              </a:rPr>
+              <a:t>试卷下载：</a:t>
+            </a:r>
+            <a:r>
+              <a:rPr kumimoji="0" lang="en-US" altLang="zh-CN" sz="100" b="0" i="0" u="none" strike="noStrike" kern="0" cap="none" spc="0" normalizeH="0" baseline="0" noProof="0" dirty="0">
+                <a:ln>
+                  <a:noFill/>
+                </a:ln>
+                <a:solidFill>
+                  <a:sysClr val="window" lastClr="FFFFFF"/>
+                </a:solidFill>
+                <a:effectLst/>
+                <a:uLnTx/>
+                <a:uFillTx/>
+              </a:rPr>
+              <a:t>www.1ppt.com/shiti/  </a:t>
+            </a:r>
+          </a:p>
+          <a:p>
+            <a:pPr marL="0" marR="0" lvl="0" indent="0" defTabSz="914400" eaLnBrk="1" fontAlgn="auto" latinLnBrk="0" hangingPunct="1">
+              <a:lnSpc>
+                <a:spcPct val="100000"/>
+              </a:lnSpc>
+              <a:spcBef>
+                <a:spcPts val="0"/>
+              </a:spcBef>
+              <a:spcAft>
+                <a:spcPts val="0"/>
+              </a:spcAft>
+              <a:buClrTx/>
+              <a:buSzTx/>
+              <a:buFontTx/>
+              <a:buNone/>
+              <a:tabLst/>
+              <a:defRPr/>
+            </a:pPr>
+            <a:r>
+              <a:rPr kumimoji="0" lang="zh-CN" altLang="en-US" sz="100" b="0" i="0" u="none" strike="noStrike" kern="0" cap="none" spc="0" normalizeH="0" baseline="0" noProof="0" dirty="0">
+                <a:ln>
+                  <a:noFill/>
+                </a:ln>
+                <a:solidFill>
+                  <a:sysClr val="window" lastClr="FFFFFF"/>
+                </a:solidFill>
+                <a:effectLst/>
+                <a:uLnTx/>
+                <a:uFillTx/>
+              </a:rPr>
+              <a:t>教案下载：</a:t>
+            </a:r>
+            <a:r>
+              <a:rPr kumimoji="0" lang="en-US" altLang="zh-CN" sz="100" b="0" i="0" u="none" strike="noStrike" kern="0" cap="none" spc="0" normalizeH="0" baseline="0" noProof="0" dirty="0">
+                <a:ln>
+                  <a:noFill/>
+                </a:ln>
+                <a:solidFill>
+                  <a:sysClr val="window" lastClr="FFFFFF"/>
+                </a:solidFill>
+                <a:effectLst/>
+                <a:uLnTx/>
+                <a:uFillTx/>
+              </a:rPr>
+              <a:t>www.1ppt.com/jiaoan/        PPT</a:t>
+            </a:r>
+            <a:r>
+              <a:rPr kumimoji="0" lang="zh-CN" altLang="en-US" sz="100" b="0" i="0" u="none" strike="noStrike" kern="0" cap="none" spc="0" normalizeH="0" baseline="0" noProof="0" dirty="0">
+                <a:ln>
+                  <a:noFill/>
+                </a:ln>
+                <a:solidFill>
+                  <a:sysClr val="window" lastClr="FFFFFF"/>
+                </a:solidFill>
+                <a:effectLst/>
+                <a:uLnTx/>
+                <a:uFillTx/>
+              </a:rPr>
+              <a:t>论坛：</a:t>
+            </a:r>
+            <a:r>
+              <a:rPr kumimoji="0" lang="en-US" altLang="zh-CN" sz="100" b="0" i="0" u="none" strike="noStrike" kern="0" cap="none" spc="0" normalizeH="0" baseline="0" noProof="0" dirty="0">
+                <a:ln>
+                  <a:noFill/>
+                </a:ln>
+                <a:solidFill>
+                  <a:sysClr val="window" lastClr="FFFFFF"/>
+                </a:solidFill>
+                <a:effectLst/>
+                <a:uLnTx/>
+                <a:uFillTx/>
+              </a:rPr>
+              <a:t>www.1ppt.cn</a:t>
+            </a:r>
+          </a:p>
+          <a:p>
+            <a:pPr marL="0" marR="0" lvl="0" indent="0" defTabSz="914400" eaLnBrk="1" fontAlgn="auto" latinLnBrk="0" hangingPunct="1">
+              <a:lnSpc>
+                <a:spcPct val="100000"/>
+              </a:lnSpc>
+              <a:spcBef>
+                <a:spcPts val="0"/>
+              </a:spcBef>
+              <a:spcAft>
+                <a:spcPts val="0"/>
+              </a:spcAft>
+              <a:buClrTx/>
+              <a:buSzTx/>
+              <a:buFontTx/>
+              <a:buNone/>
+              <a:tabLst/>
+              <a:defRPr/>
+            </a:pPr>
+            <a:r>
+              <a:rPr kumimoji="0" lang="en-US" altLang="zh-CN" sz="100" b="0" i="0" u="none" strike="noStrike" kern="0" cap="none" spc="0" normalizeH="0" baseline="0" noProof="0" dirty="0">
+                <a:ln>
+                  <a:noFill/>
+                </a:ln>
+                <a:solidFill>
+                  <a:sysClr val="window" lastClr="FFFFFF"/>
+                </a:solidFill>
+                <a:effectLst/>
+                <a:uLnTx/>
+                <a:uFillTx/>
+              </a:rPr>
+              <a:t> </a:t>
+            </a:r>
+            <a:endParaRPr kumimoji="0" lang="zh-CN" altLang="en-US" sz="100" b="0" i="0" u="none" strike="noStrike" kern="0" cap="none" spc="0" normalizeH="0" baseline="0" noProof="0" dirty="0">
+              <a:ln>
+                <a:noFill/>
+              </a:ln>
+              <a:solidFill>
+                <a:sysClr val="window" lastClr="FFFFFF"/>
+              </a:solidFill>
+              <a:effectLst/>
+              <a:uLnTx/>
+              <a:uFillTx/>
+            </a:endParaRPr>
+          </a:p>
+        </p:txBody>
+      </p:sp>
+      <p:sp>
+        <p:nvSpPr>
+          <p:cNvPr id="6" name="TextBox 50"/>
+          <p:cNvSpPr txBox="1"/>
+          <p:nvPr/>
+        </p:nvSpPr>
+        <p:spPr>
+          <a:xfrm>
+            <a:off x="265176" y="1219696"/>
+            <a:ext cx="11487142" cy="5262979"/>
+          </a:xfrm>
+          <a:prstGeom prst="rect">
+            <a:avLst/>
+          </a:prstGeom>
+          <a:noFill/>
+        </p:spPr>
+        <p:txBody>
+          <a:bodyPr wrap="square" rtlCol="0">
+            <a:spAutoFit/>
+          </a:bodyPr>
+          <a:lstStyle/>
+          <a:p>
+            <a:pPr marL="342900" indent="-342900">
+              <a:buFont typeface="Wingdings" pitchFamily="2" charset="2"/>
+              <a:buChar char="Ø"/>
+            </a:pPr>
+            <a:r>
+              <a:rPr lang="en-US" altLang="zh-CN" sz="2400" b="1" dirty="0">
+                <a:latin typeface="仿宋" panose="02010609060101010101" pitchFamily="49" charset="-122"/>
+                <a:ea typeface="仿宋" panose="02010609060101010101" pitchFamily="49" charset="-122"/>
+                <a:cs typeface="+mn-ea"/>
+                <a:sym typeface="+mn-lt"/>
+              </a:rPr>
+              <a:t>Almost every operating system supports independently running programs called processes. </a:t>
+            </a:r>
+            <a:r>
+              <a:rPr lang="en-US" altLang="zh-CN" sz="2400" b="1" dirty="0">
+                <a:solidFill>
+                  <a:srgbClr val="92D050"/>
+                </a:solidFill>
+                <a:latin typeface="仿宋" panose="02010609060101010101" pitchFamily="49" charset="-122"/>
+                <a:ea typeface="仿宋" panose="02010609060101010101" pitchFamily="49" charset="-122"/>
+                <a:cs typeface="+mn-ea"/>
+                <a:sym typeface="+mn-lt"/>
+              </a:rPr>
+              <a:t>Threading is a facility to allow multiple activities to coexist within a single process</a:t>
+            </a:r>
+            <a:r>
+              <a:rPr lang="en-US" altLang="zh-CN" sz="2400" b="1" dirty="0">
+                <a:latin typeface="仿宋" panose="02010609060101010101" pitchFamily="49" charset="-122"/>
+                <a:ea typeface="仿宋" panose="02010609060101010101" pitchFamily="49" charset="-122"/>
+                <a:cs typeface="+mn-ea"/>
+                <a:sym typeface="+mn-lt"/>
+              </a:rPr>
+              <a:t>.</a:t>
+            </a:r>
+            <a:r>
+              <a:rPr lang="en-US" altLang="zh-CN" sz="2400" b="1" dirty="0">
+                <a:solidFill>
+                  <a:srgbClr val="0070C0"/>
+                </a:solidFill>
+                <a:latin typeface="仿宋" panose="02010609060101010101" pitchFamily="49" charset="-122"/>
+                <a:ea typeface="仿宋" panose="02010609060101010101" pitchFamily="49" charset="-122"/>
+                <a:cs typeface="+mn-ea"/>
+                <a:sym typeface="+mn-lt"/>
+              </a:rPr>
+              <a:t> </a:t>
+            </a:r>
+            <a:r>
+              <a:rPr lang="en-US" altLang="zh-CN" sz="2400" b="1" dirty="0">
+                <a:latin typeface="仿宋" panose="02010609060101010101" pitchFamily="49" charset="-122"/>
+                <a:ea typeface="仿宋" panose="02010609060101010101" pitchFamily="49" charset="-122"/>
+                <a:cs typeface="+mn-ea"/>
+                <a:sym typeface="+mn-lt"/>
+              </a:rPr>
+              <a:t>Java is the first programming language to explicitly include threading within the language itself, rather than treating it as a facility of the underlying OS.</a:t>
+            </a:r>
+          </a:p>
+          <a:p>
+            <a:pPr marL="342900" indent="-342900">
+              <a:buFont typeface="Wingdings" pitchFamily="2" charset="2"/>
+              <a:buChar char="Ø"/>
+            </a:pPr>
+            <a:r>
+              <a:rPr lang="en-US" altLang="zh-CN" sz="2400" b="1" dirty="0">
+                <a:latin typeface="仿宋" panose="02010609060101010101" pitchFamily="49" charset="-122"/>
+                <a:ea typeface="仿宋" panose="02010609060101010101" pitchFamily="49" charset="-122"/>
+                <a:cs typeface="+mn-ea"/>
+                <a:sym typeface="+mn-lt"/>
+              </a:rPr>
+              <a:t>Threads are sometimes called as </a:t>
+            </a:r>
+            <a:r>
+              <a:rPr lang="en-US" altLang="zh-CN" sz="2400" b="1" dirty="0">
+                <a:solidFill>
+                  <a:srgbClr val="92D050"/>
+                </a:solidFill>
+                <a:latin typeface="仿宋" panose="02010609060101010101" pitchFamily="49" charset="-122"/>
+                <a:ea typeface="仿宋" panose="02010609060101010101" pitchFamily="49" charset="-122"/>
+                <a:cs typeface="+mn-ea"/>
+                <a:sym typeface="+mn-lt"/>
+              </a:rPr>
+              <a:t>lightweight processes</a:t>
+            </a:r>
+            <a:r>
+              <a:rPr lang="en-US" altLang="zh-CN" sz="2400" b="1" dirty="0">
+                <a:latin typeface="仿宋" panose="02010609060101010101" pitchFamily="49" charset="-122"/>
+                <a:ea typeface="仿宋" panose="02010609060101010101" pitchFamily="49" charset="-122"/>
+                <a:cs typeface="+mn-ea"/>
+                <a:sym typeface="+mn-lt"/>
+              </a:rPr>
+              <a:t>. Like </a:t>
+            </a:r>
+            <a:r>
+              <a:rPr lang="en-US" altLang="zh-CN" sz="2400" b="1" dirty="0" err="1">
+                <a:latin typeface="仿宋" panose="02010609060101010101" pitchFamily="49" charset="-122"/>
+                <a:ea typeface="仿宋" panose="02010609060101010101" pitchFamily="49" charset="-122"/>
+                <a:cs typeface="+mn-ea"/>
+                <a:sym typeface="+mn-lt"/>
+              </a:rPr>
+              <a:t>processes,they</a:t>
+            </a:r>
+            <a:r>
+              <a:rPr lang="en-US" altLang="zh-CN" sz="2400" b="1" dirty="0">
+                <a:latin typeface="仿宋" panose="02010609060101010101" pitchFamily="49" charset="-122"/>
+                <a:ea typeface="仿宋" panose="02010609060101010101" pitchFamily="49" charset="-122"/>
+                <a:cs typeface="+mn-ea"/>
+                <a:sym typeface="+mn-lt"/>
+              </a:rPr>
+              <a:t> work independently and each thread has its own stack, program counter, and local variables. Even though they have their own stuff, threads within a process are less insulated from each other than separate processes are. They share memory space, file handles, etc. This means they have access to the same variables and objects. While this makes it easier for them to share information, the programmer must be very careful not to let them interfere with each other in the same process.</a:t>
+            </a:r>
+          </a:p>
+        </p:txBody>
+      </p:sp>
+      <p:pic>
+        <p:nvPicPr>
+          <p:cNvPr id="3" name="图片 2">
+            <a:extLst>
+              <a:ext uri="{FF2B5EF4-FFF2-40B4-BE49-F238E27FC236}">
+                <a16:creationId xmlns:a16="http://schemas.microsoft.com/office/drawing/2014/main" id="{FDDA9B28-8B7F-F94A-978D-5C83F4795C45}"/>
+              </a:ext>
+            </a:extLst>
+          </p:cNvPr>
+          <p:cNvPicPr>
+            <a:picLocks noChangeAspect="1"/>
+          </p:cNvPicPr>
+          <p:nvPr/>
+        </p:nvPicPr>
+        <p:blipFill>
+          <a:blip r:embed="rId2"/>
+          <a:stretch>
+            <a:fillRect/>
+          </a:stretch>
+        </p:blipFill>
+        <p:spPr>
+          <a:xfrm>
+            <a:off x="265176" y="328467"/>
+            <a:ext cx="1378622" cy="697234"/>
+          </a:xfrm>
+          <a:prstGeom prst="rect">
+            <a:avLst/>
+          </a:prstGeom>
+        </p:spPr>
+      </p:pic>
+    </p:spTree>
+    <p:extLst>
+      <p:ext uri="{BB962C8B-B14F-4D97-AF65-F5344CB8AC3E}">
+        <p14:creationId xmlns:p14="http://schemas.microsoft.com/office/powerpoint/2010/main" val="2664661440"/>
+      </p:ext>
+    </p:extLst>
+  </p:cSld>
+  <p:clrMapOvr>
+    <a:masterClrMapping/>
+  </p:clrMapOvr>
+  <p:transition spd="slow">
+    <p:wipe/>
+  </p:transition>
+</p:sld>
+</file>
+
+<file path=ppt/slides/slide5.xml><?xml version="1.0" encoding="utf-8"?>
+<p:sld xmlns:a="http://schemas.openxmlformats.org/drawingml/2006/main" xmlns:r="http://schemas.openxmlformats.org/officeDocument/2006/relationships" xmlns:p="http://schemas.openxmlformats.org/presentationml/2006/main">
+  <p:cSld>
+    <p:spTree>
+      <p:nvGrpSpPr>
+        <p:cNvPr id="1" name=""/>
+        <p:cNvGrpSpPr/>
+        <p:nvPr/>
+      </p:nvGrpSpPr>
+      <p:grpSpPr>
+        <a:xfrm>
+          <a:off x="0" y="0"/>
+          <a:ext cx="0" cy="0"/>
+          <a:chOff x="0" y="0"/>
+          <a:chExt cx="0" cy="0"/>
+        </a:xfrm>
+      </p:grpSpPr>
+      <p:sp>
+        <p:nvSpPr>
+          <p:cNvPr id="57" name="TextBox 50"/>
+          <p:cNvSpPr txBox="1"/>
+          <p:nvPr/>
+        </p:nvSpPr>
+        <p:spPr>
+          <a:xfrm>
+            <a:off x="1810512" y="502481"/>
+            <a:ext cx="9416459" cy="523220"/>
+          </a:xfrm>
+          <a:prstGeom prst="rect">
+            <a:avLst/>
+          </a:prstGeom>
+          <a:noFill/>
+        </p:spPr>
+        <p:txBody>
+          <a:bodyPr wrap="square" rtlCol="0">
+            <a:spAutoFit/>
+          </a:bodyPr>
+          <a:lstStyle/>
+          <a:p>
+            <a:r>
+              <a:rPr lang="en-US" sz="2800" b="1" dirty="0" err="1">
+                <a:solidFill>
+                  <a:srgbClr val="7030A0"/>
+                </a:solidFill>
+                <a:latin typeface="仿宋" panose="02010609060101010101" pitchFamily="49" charset="-122"/>
+                <a:ea typeface="仿宋" panose="02010609060101010101" pitchFamily="49" charset="-122"/>
+                <a:cs typeface="+mn-ea"/>
+                <a:sym typeface="+mn-lt"/>
+              </a:rPr>
+              <a:t>Netty</a:t>
+            </a:r>
+            <a:r>
+              <a:rPr lang="en-US" sz="2800" b="1" dirty="0">
+                <a:solidFill>
+                  <a:srgbClr val="7030A0"/>
+                </a:solidFill>
+                <a:latin typeface="仿宋" panose="02010609060101010101" pitchFamily="49" charset="-122"/>
+                <a:ea typeface="仿宋" panose="02010609060101010101" pitchFamily="49" charset="-122"/>
+                <a:cs typeface="+mn-ea"/>
+                <a:sym typeface="+mn-lt"/>
+              </a:rPr>
+              <a:t> Architecture</a:t>
+            </a:r>
+          </a:p>
+        </p:txBody>
+      </p:sp>
+      <p:sp>
+        <p:nvSpPr>
+          <p:cNvPr id="63" name="矩形 62"/>
+          <p:cNvSpPr/>
+          <p:nvPr/>
+        </p:nvSpPr>
+        <p:spPr>
+          <a:xfrm>
+            <a:off x="0" y="6624130"/>
+            <a:ext cx="775136" cy="230832"/>
+          </a:xfrm>
+          <a:prstGeom prst="rect">
+            <a:avLst/>
+          </a:prstGeom>
+        </p:spPr>
+        <p:txBody>
+          <a:bodyPr wrap="square">
+            <a:spAutoFit/>
+          </a:bodyPr>
+          <a:lstStyle/>
+          <a:p>
+            <a:pPr marL="0" marR="0" lvl="0" indent="0" defTabSz="914400" eaLnBrk="1" fontAlgn="auto" latinLnBrk="0" hangingPunct="1">
+              <a:lnSpc>
+                <a:spcPct val="100000"/>
+              </a:lnSpc>
+              <a:spcBef>
+                <a:spcPts val="0"/>
+              </a:spcBef>
+              <a:spcAft>
+                <a:spcPts val="0"/>
+              </a:spcAft>
+              <a:buClrTx/>
+              <a:buSzTx/>
+              <a:buFontTx/>
+              <a:buNone/>
+              <a:tabLst/>
+              <a:defRPr/>
+            </a:pPr>
+            <a:r>
+              <a:rPr kumimoji="0" lang="en-US" altLang="zh-CN" sz="100" b="0" i="0" u="none" strike="noStrike" kern="0" cap="none" spc="0" normalizeH="0" baseline="0" noProof="0" dirty="0">
+                <a:ln>
+                  <a:noFill/>
+                </a:ln>
+                <a:solidFill>
+                  <a:sysClr val="window" lastClr="FFFFFF"/>
+                </a:solidFill>
+                <a:effectLst/>
+                <a:uLnTx/>
+                <a:uFillTx/>
+              </a:rPr>
+              <a:t>PPT</a:t>
+            </a:r>
+            <a:r>
+              <a:rPr kumimoji="0" lang="zh-CN" altLang="en-US" sz="100" b="0" i="0" u="none" strike="noStrike" kern="0" cap="none" spc="0" normalizeH="0" baseline="0" noProof="0" dirty="0">
+                <a:ln>
+                  <a:noFill/>
+                </a:ln>
+                <a:solidFill>
+                  <a:sysClr val="window" lastClr="FFFFFF"/>
+                </a:solidFill>
+                <a:effectLst/>
+                <a:uLnTx/>
+                <a:uFillTx/>
+              </a:rPr>
+              <a:t>模板下载：</a:t>
+            </a:r>
+            <a:r>
+              <a:rPr kumimoji="0" lang="en-US" altLang="zh-CN" sz="100" b="0" i="0" u="none" strike="noStrike" kern="0" cap="none" spc="0" normalizeH="0" baseline="0" noProof="0" dirty="0">
+                <a:ln>
+                  <a:noFill/>
+                </a:ln>
+                <a:solidFill>
+                  <a:sysClr val="window" lastClr="FFFFFF"/>
+                </a:solidFill>
+                <a:effectLst/>
+                <a:uLnTx/>
+                <a:uFillTx/>
+              </a:rPr>
+              <a:t>www.1ppt.com/moban/     </a:t>
+            </a:r>
+            <a:r>
+              <a:rPr kumimoji="0" lang="zh-CN" altLang="en-US" sz="100" b="0" i="0" u="none" strike="noStrike" kern="0" cap="none" spc="0" normalizeH="0" baseline="0" noProof="0" dirty="0">
+                <a:ln>
+                  <a:noFill/>
+                </a:ln>
+                <a:solidFill>
+                  <a:sysClr val="window" lastClr="FFFFFF"/>
+                </a:solidFill>
+                <a:effectLst/>
+                <a:uLnTx/>
+                <a:uFillTx/>
+              </a:rPr>
+              <a:t>行业</a:t>
+            </a:r>
+            <a:r>
+              <a:rPr kumimoji="0" lang="en-US" altLang="zh-CN" sz="100" b="0" i="0" u="none" strike="noStrike" kern="0" cap="none" spc="0" normalizeH="0" baseline="0" noProof="0" dirty="0">
+                <a:ln>
+                  <a:noFill/>
+                </a:ln>
+                <a:solidFill>
+                  <a:sysClr val="window" lastClr="FFFFFF"/>
+                </a:solidFill>
+                <a:effectLst/>
+                <a:uLnTx/>
+                <a:uFillTx/>
+              </a:rPr>
+              <a:t>PPT</a:t>
+            </a:r>
+            <a:r>
+              <a:rPr kumimoji="0" lang="zh-CN" altLang="en-US" sz="100" b="0" i="0" u="none" strike="noStrike" kern="0" cap="none" spc="0" normalizeH="0" baseline="0" noProof="0" dirty="0">
+                <a:ln>
+                  <a:noFill/>
+                </a:ln>
+                <a:solidFill>
+                  <a:sysClr val="window" lastClr="FFFFFF"/>
+                </a:solidFill>
+                <a:effectLst/>
+                <a:uLnTx/>
+                <a:uFillTx/>
+              </a:rPr>
+              <a:t>模板：</a:t>
+            </a:r>
+            <a:r>
+              <a:rPr kumimoji="0" lang="en-US" altLang="zh-CN" sz="100" b="0" i="0" u="none" strike="noStrike" kern="0" cap="none" spc="0" normalizeH="0" baseline="0" noProof="0" dirty="0">
+                <a:ln>
+                  <a:noFill/>
+                </a:ln>
+                <a:solidFill>
+                  <a:sysClr val="window" lastClr="FFFFFF"/>
+                </a:solidFill>
+                <a:effectLst/>
+                <a:uLnTx/>
+                <a:uFillTx/>
+              </a:rPr>
+              <a:t>www.1ppt.com/hangye/ </a:t>
+            </a:r>
+          </a:p>
+          <a:p>
+            <a:pPr marL="0" marR="0" lvl="0" indent="0" defTabSz="914400" eaLnBrk="1" fontAlgn="auto" latinLnBrk="0" hangingPunct="1">
+              <a:lnSpc>
+                <a:spcPct val="100000"/>
+              </a:lnSpc>
+              <a:spcBef>
+                <a:spcPts val="0"/>
+              </a:spcBef>
+              <a:spcAft>
+                <a:spcPts val="0"/>
+              </a:spcAft>
+              <a:buClrTx/>
+              <a:buSzTx/>
+              <a:buFontTx/>
+              <a:buNone/>
+              <a:tabLst/>
+              <a:defRPr/>
+            </a:pPr>
+            <a:r>
+              <a:rPr kumimoji="0" lang="zh-CN" altLang="en-US" sz="100" b="0" i="0" u="none" strike="noStrike" kern="0" cap="none" spc="0" normalizeH="0" baseline="0" noProof="0" dirty="0">
+                <a:ln>
+                  <a:noFill/>
+                </a:ln>
+                <a:solidFill>
+                  <a:sysClr val="window" lastClr="FFFFFF"/>
+                </a:solidFill>
+                <a:effectLst/>
+                <a:uLnTx/>
+                <a:uFillTx/>
+              </a:rPr>
+              <a:t>节日</a:t>
+            </a:r>
+            <a:r>
+              <a:rPr kumimoji="0" lang="en-US" altLang="zh-CN" sz="100" b="0" i="0" u="none" strike="noStrike" kern="0" cap="none" spc="0" normalizeH="0" baseline="0" noProof="0" dirty="0">
+                <a:ln>
+                  <a:noFill/>
+                </a:ln>
+                <a:solidFill>
+                  <a:sysClr val="window" lastClr="FFFFFF"/>
+                </a:solidFill>
+                <a:effectLst/>
+                <a:uLnTx/>
+                <a:uFillTx/>
+              </a:rPr>
+              <a:t>PPT</a:t>
+            </a:r>
+            <a:r>
+              <a:rPr kumimoji="0" lang="zh-CN" altLang="en-US" sz="100" b="0" i="0" u="none" strike="noStrike" kern="0" cap="none" spc="0" normalizeH="0" baseline="0" noProof="0" dirty="0">
+                <a:ln>
+                  <a:noFill/>
+                </a:ln>
+                <a:solidFill>
+                  <a:sysClr val="window" lastClr="FFFFFF"/>
+                </a:solidFill>
+                <a:effectLst/>
+                <a:uLnTx/>
+                <a:uFillTx/>
+              </a:rPr>
+              <a:t>模板：</a:t>
+            </a:r>
+            <a:r>
+              <a:rPr kumimoji="0" lang="en-US" altLang="zh-CN" sz="100" b="0" i="0" u="none" strike="noStrike" kern="0" cap="none" spc="0" normalizeH="0" baseline="0" noProof="0" dirty="0">
+                <a:ln>
+                  <a:noFill/>
+                </a:ln>
+                <a:solidFill>
+                  <a:sysClr val="window" lastClr="FFFFFF"/>
+                </a:solidFill>
+                <a:effectLst/>
+                <a:uLnTx/>
+                <a:uFillTx/>
+              </a:rPr>
+              <a:t>www.1ppt.com/jieri/           PPT</a:t>
+            </a:r>
+            <a:r>
+              <a:rPr kumimoji="0" lang="zh-CN" altLang="en-US" sz="100" b="0" i="0" u="none" strike="noStrike" kern="0" cap="none" spc="0" normalizeH="0" baseline="0" noProof="0" dirty="0">
+                <a:ln>
+                  <a:noFill/>
+                </a:ln>
+                <a:solidFill>
+                  <a:sysClr val="window" lastClr="FFFFFF"/>
+                </a:solidFill>
+                <a:effectLst/>
+                <a:uLnTx/>
+                <a:uFillTx/>
+              </a:rPr>
+              <a:t>素材下载：</a:t>
+            </a:r>
+            <a:r>
+              <a:rPr kumimoji="0" lang="en-US" altLang="zh-CN" sz="100" b="0" i="0" u="none" strike="noStrike" kern="0" cap="none" spc="0" normalizeH="0" baseline="0" noProof="0" dirty="0">
+                <a:ln>
+                  <a:noFill/>
+                </a:ln>
+                <a:solidFill>
+                  <a:sysClr val="window" lastClr="FFFFFF"/>
+                </a:solidFill>
+                <a:effectLst/>
+                <a:uLnTx/>
+                <a:uFillTx/>
+              </a:rPr>
+              <a:t>www.1ppt.com/sucai/</a:t>
+            </a:r>
+          </a:p>
+          <a:p>
+            <a:pPr marL="0" marR="0" lvl="0" indent="0" defTabSz="914400" eaLnBrk="1" fontAlgn="auto" latinLnBrk="0" hangingPunct="1">
+              <a:lnSpc>
+                <a:spcPct val="100000"/>
+              </a:lnSpc>
+              <a:spcBef>
+                <a:spcPts val="0"/>
+              </a:spcBef>
+              <a:spcAft>
+                <a:spcPts val="0"/>
+              </a:spcAft>
+              <a:buClrTx/>
+              <a:buSzTx/>
+              <a:buFontTx/>
+              <a:buNone/>
+              <a:tabLst/>
+              <a:defRPr/>
+            </a:pPr>
+            <a:r>
+              <a:rPr kumimoji="0" lang="en-US" altLang="zh-CN" sz="100" b="0" i="0" u="none" strike="noStrike" kern="0" cap="none" spc="0" normalizeH="0" baseline="0" noProof="0" dirty="0">
+                <a:ln>
+                  <a:noFill/>
+                </a:ln>
+                <a:solidFill>
+                  <a:sysClr val="window" lastClr="FFFFFF"/>
+                </a:solidFill>
+                <a:effectLst/>
+                <a:uLnTx/>
+                <a:uFillTx/>
+              </a:rPr>
+              <a:t>PPT</a:t>
+            </a:r>
+            <a:r>
+              <a:rPr kumimoji="0" lang="zh-CN" altLang="en-US" sz="100" b="0" i="0" u="none" strike="noStrike" kern="0" cap="none" spc="0" normalizeH="0" baseline="0" noProof="0" dirty="0">
+                <a:ln>
+                  <a:noFill/>
+                </a:ln>
+                <a:solidFill>
+                  <a:sysClr val="window" lastClr="FFFFFF"/>
+                </a:solidFill>
+                <a:effectLst/>
+                <a:uLnTx/>
+                <a:uFillTx/>
+              </a:rPr>
+              <a:t>背景图片：</a:t>
+            </a:r>
+            <a:r>
+              <a:rPr kumimoji="0" lang="en-US" altLang="zh-CN" sz="100" b="0" i="0" u="none" strike="noStrike" kern="0" cap="none" spc="0" normalizeH="0" baseline="0" noProof="0" dirty="0">
+                <a:ln>
+                  <a:noFill/>
+                </a:ln>
+                <a:solidFill>
+                  <a:sysClr val="window" lastClr="FFFFFF"/>
+                </a:solidFill>
+                <a:effectLst/>
+                <a:uLnTx/>
+                <a:uFillTx/>
+              </a:rPr>
+              <a:t>www.1ppt.com/beijing/      PPT</a:t>
+            </a:r>
+            <a:r>
+              <a:rPr kumimoji="0" lang="zh-CN" altLang="en-US" sz="100" b="0" i="0" u="none" strike="noStrike" kern="0" cap="none" spc="0" normalizeH="0" baseline="0" noProof="0" dirty="0">
+                <a:ln>
+                  <a:noFill/>
+                </a:ln>
+                <a:solidFill>
+                  <a:sysClr val="window" lastClr="FFFFFF"/>
+                </a:solidFill>
+                <a:effectLst/>
+                <a:uLnTx/>
+                <a:uFillTx/>
+              </a:rPr>
+              <a:t>图表下载：</a:t>
+            </a:r>
+            <a:r>
+              <a:rPr kumimoji="0" lang="en-US" altLang="zh-CN" sz="100" b="0" i="0" u="none" strike="noStrike" kern="0" cap="none" spc="0" normalizeH="0" baseline="0" noProof="0" dirty="0">
+                <a:ln>
+                  <a:noFill/>
+                </a:ln>
+                <a:solidFill>
+                  <a:sysClr val="window" lastClr="FFFFFF"/>
+                </a:solidFill>
+                <a:effectLst/>
+                <a:uLnTx/>
+                <a:uFillTx/>
+              </a:rPr>
+              <a:t>www.1ppt.com/tubiao/      </a:t>
+            </a:r>
+          </a:p>
+          <a:p>
+            <a:pPr marL="0" marR="0" lvl="0" indent="0" defTabSz="914400" eaLnBrk="1" fontAlgn="auto" latinLnBrk="0" hangingPunct="1">
+              <a:lnSpc>
+                <a:spcPct val="100000"/>
+              </a:lnSpc>
+              <a:spcBef>
+                <a:spcPts val="0"/>
+              </a:spcBef>
+              <a:spcAft>
+                <a:spcPts val="0"/>
+              </a:spcAft>
+              <a:buClrTx/>
+              <a:buSzTx/>
+              <a:buFontTx/>
+              <a:buNone/>
+              <a:tabLst/>
+              <a:defRPr/>
+            </a:pPr>
+            <a:r>
+              <a:rPr kumimoji="0" lang="zh-CN" altLang="en-US" sz="100" b="0" i="0" u="none" strike="noStrike" kern="0" cap="none" spc="0" normalizeH="0" baseline="0" noProof="0" dirty="0">
+                <a:ln>
+                  <a:noFill/>
+                </a:ln>
+                <a:solidFill>
+                  <a:sysClr val="window" lastClr="FFFFFF"/>
+                </a:solidFill>
+                <a:effectLst/>
+                <a:uLnTx/>
+                <a:uFillTx/>
+              </a:rPr>
+              <a:t>优秀</a:t>
+            </a:r>
+            <a:r>
+              <a:rPr kumimoji="0" lang="en-US" altLang="zh-CN" sz="100" b="0" i="0" u="none" strike="noStrike" kern="0" cap="none" spc="0" normalizeH="0" baseline="0" noProof="0" dirty="0">
+                <a:ln>
+                  <a:noFill/>
+                </a:ln>
+                <a:solidFill>
+                  <a:sysClr val="window" lastClr="FFFFFF"/>
+                </a:solidFill>
+                <a:effectLst/>
+                <a:uLnTx/>
+                <a:uFillTx/>
+              </a:rPr>
+              <a:t>PPT</a:t>
+            </a:r>
+            <a:r>
+              <a:rPr kumimoji="0" lang="zh-CN" altLang="en-US" sz="100" b="0" i="0" u="none" strike="noStrike" kern="0" cap="none" spc="0" normalizeH="0" baseline="0" noProof="0" dirty="0">
+                <a:ln>
+                  <a:noFill/>
+                </a:ln>
+                <a:solidFill>
+                  <a:sysClr val="window" lastClr="FFFFFF"/>
+                </a:solidFill>
+                <a:effectLst/>
+                <a:uLnTx/>
+                <a:uFillTx/>
+              </a:rPr>
+              <a:t>下载：</a:t>
+            </a:r>
+            <a:r>
+              <a:rPr kumimoji="0" lang="en-US" altLang="zh-CN" sz="100" b="0" i="0" u="none" strike="noStrike" kern="0" cap="none" spc="0" normalizeH="0" baseline="0" noProof="0" dirty="0">
+                <a:ln>
+                  <a:noFill/>
+                </a:ln>
+                <a:solidFill>
+                  <a:sysClr val="window" lastClr="FFFFFF"/>
+                </a:solidFill>
+                <a:effectLst/>
+                <a:uLnTx/>
+                <a:uFillTx/>
+              </a:rPr>
+              <a:t>www.1ppt.com/xiazai/        PPT</a:t>
+            </a:r>
+            <a:r>
+              <a:rPr kumimoji="0" lang="zh-CN" altLang="en-US" sz="100" b="0" i="0" u="none" strike="noStrike" kern="0" cap="none" spc="0" normalizeH="0" baseline="0" noProof="0" dirty="0">
+                <a:ln>
+                  <a:noFill/>
+                </a:ln>
+                <a:solidFill>
+                  <a:sysClr val="window" lastClr="FFFFFF"/>
+                </a:solidFill>
+                <a:effectLst/>
+                <a:uLnTx/>
+                <a:uFillTx/>
+              </a:rPr>
+              <a:t>教程： </a:t>
+            </a:r>
+            <a:r>
+              <a:rPr kumimoji="0" lang="en-US" altLang="zh-CN" sz="100" b="0" i="0" u="none" strike="noStrike" kern="0" cap="none" spc="0" normalizeH="0" baseline="0" noProof="0" dirty="0">
+                <a:ln>
+                  <a:noFill/>
+                </a:ln>
+                <a:solidFill>
+                  <a:sysClr val="window" lastClr="FFFFFF"/>
+                </a:solidFill>
+                <a:effectLst/>
+                <a:uLnTx/>
+                <a:uFillTx/>
+              </a:rPr>
+              <a:t>www.1ppt.com/powerpoint/      </a:t>
+            </a:r>
+          </a:p>
+          <a:p>
+            <a:pPr marL="0" marR="0" lvl="0" indent="0" defTabSz="914400" eaLnBrk="1" fontAlgn="auto" latinLnBrk="0" hangingPunct="1">
+              <a:lnSpc>
+                <a:spcPct val="100000"/>
+              </a:lnSpc>
+              <a:spcBef>
+                <a:spcPts val="0"/>
+              </a:spcBef>
+              <a:spcAft>
+                <a:spcPts val="0"/>
+              </a:spcAft>
+              <a:buClrTx/>
+              <a:buSzTx/>
+              <a:buFontTx/>
+              <a:buNone/>
+              <a:tabLst/>
+              <a:defRPr/>
+            </a:pPr>
+            <a:r>
+              <a:rPr kumimoji="0" lang="en-US" altLang="zh-CN" sz="100" b="0" i="0" u="none" strike="noStrike" kern="0" cap="none" spc="0" normalizeH="0" baseline="0" noProof="0" dirty="0">
+                <a:ln>
+                  <a:noFill/>
+                </a:ln>
+                <a:solidFill>
+                  <a:sysClr val="window" lastClr="FFFFFF"/>
+                </a:solidFill>
+                <a:effectLst/>
+                <a:uLnTx/>
+                <a:uFillTx/>
+              </a:rPr>
+              <a:t>Word</a:t>
+            </a:r>
+            <a:r>
+              <a:rPr kumimoji="0" lang="zh-CN" altLang="en-US" sz="100" b="0" i="0" u="none" strike="noStrike" kern="0" cap="none" spc="0" normalizeH="0" baseline="0" noProof="0" dirty="0">
+                <a:ln>
+                  <a:noFill/>
+                </a:ln>
+                <a:solidFill>
+                  <a:sysClr val="window" lastClr="FFFFFF"/>
+                </a:solidFill>
+                <a:effectLst/>
+                <a:uLnTx/>
+                <a:uFillTx/>
+              </a:rPr>
+              <a:t>教程： </a:t>
+            </a:r>
+            <a:r>
+              <a:rPr kumimoji="0" lang="en-US" altLang="zh-CN" sz="100" b="0" i="0" u="none" strike="noStrike" kern="0" cap="none" spc="0" normalizeH="0" baseline="0" noProof="0" dirty="0">
+                <a:ln>
+                  <a:noFill/>
+                </a:ln>
+                <a:solidFill>
+                  <a:sysClr val="window" lastClr="FFFFFF"/>
+                </a:solidFill>
+                <a:effectLst/>
+                <a:uLnTx/>
+                <a:uFillTx/>
+              </a:rPr>
+              <a:t>www.1ppt.com/word/              Excel</a:t>
+            </a:r>
+            <a:r>
+              <a:rPr kumimoji="0" lang="zh-CN" altLang="en-US" sz="100" b="0" i="0" u="none" strike="noStrike" kern="0" cap="none" spc="0" normalizeH="0" baseline="0" noProof="0" dirty="0">
+                <a:ln>
+                  <a:noFill/>
+                </a:ln>
+                <a:solidFill>
+                  <a:sysClr val="window" lastClr="FFFFFF"/>
+                </a:solidFill>
+                <a:effectLst/>
+                <a:uLnTx/>
+                <a:uFillTx/>
+              </a:rPr>
+              <a:t>教程：</a:t>
+            </a:r>
+            <a:r>
+              <a:rPr kumimoji="0" lang="en-US" altLang="zh-CN" sz="100" b="0" i="0" u="none" strike="noStrike" kern="0" cap="none" spc="0" normalizeH="0" baseline="0" noProof="0" dirty="0">
+                <a:ln>
+                  <a:noFill/>
+                </a:ln>
+                <a:solidFill>
+                  <a:sysClr val="window" lastClr="FFFFFF"/>
+                </a:solidFill>
+                <a:effectLst/>
+                <a:uLnTx/>
+                <a:uFillTx/>
+              </a:rPr>
+              <a:t>www.1ppt.com/excel/  </a:t>
+            </a:r>
+          </a:p>
+          <a:p>
+            <a:pPr marL="0" marR="0" lvl="0" indent="0" defTabSz="914400" eaLnBrk="1" fontAlgn="auto" latinLnBrk="0" hangingPunct="1">
+              <a:lnSpc>
+                <a:spcPct val="100000"/>
+              </a:lnSpc>
+              <a:spcBef>
+                <a:spcPts val="0"/>
+              </a:spcBef>
+              <a:spcAft>
+                <a:spcPts val="0"/>
+              </a:spcAft>
+              <a:buClrTx/>
+              <a:buSzTx/>
+              <a:buFontTx/>
+              <a:buNone/>
+              <a:tabLst/>
+              <a:defRPr/>
+            </a:pPr>
+            <a:r>
+              <a:rPr kumimoji="0" lang="zh-CN" altLang="en-US" sz="100" b="0" i="0" u="none" strike="noStrike" kern="0" cap="none" spc="0" normalizeH="0" baseline="0" noProof="0" dirty="0">
+                <a:ln>
+                  <a:noFill/>
+                </a:ln>
+                <a:solidFill>
+                  <a:sysClr val="window" lastClr="FFFFFF"/>
+                </a:solidFill>
+                <a:effectLst/>
+                <a:uLnTx/>
+                <a:uFillTx/>
+              </a:rPr>
+              <a:t>资料下载：</a:t>
+            </a:r>
+            <a:r>
+              <a:rPr kumimoji="0" lang="en-US" altLang="zh-CN" sz="100" b="0" i="0" u="none" strike="noStrike" kern="0" cap="none" spc="0" normalizeH="0" baseline="0" noProof="0" dirty="0">
+                <a:ln>
+                  <a:noFill/>
+                </a:ln>
+                <a:solidFill>
+                  <a:sysClr val="window" lastClr="FFFFFF"/>
+                </a:solidFill>
+                <a:effectLst/>
+                <a:uLnTx/>
+                <a:uFillTx/>
+              </a:rPr>
+              <a:t>www.1ppt.com/ziliao/                PPT</a:t>
+            </a:r>
+            <a:r>
+              <a:rPr kumimoji="0" lang="zh-CN" altLang="en-US" sz="100" b="0" i="0" u="none" strike="noStrike" kern="0" cap="none" spc="0" normalizeH="0" baseline="0" noProof="0" dirty="0">
+                <a:ln>
+                  <a:noFill/>
+                </a:ln>
+                <a:solidFill>
+                  <a:sysClr val="window" lastClr="FFFFFF"/>
+                </a:solidFill>
+                <a:effectLst/>
+                <a:uLnTx/>
+                <a:uFillTx/>
+              </a:rPr>
+              <a:t>课件下载：</a:t>
+            </a:r>
+            <a:r>
+              <a:rPr kumimoji="0" lang="en-US" altLang="zh-CN" sz="100" b="0" i="0" u="none" strike="noStrike" kern="0" cap="none" spc="0" normalizeH="0" baseline="0" noProof="0" dirty="0">
+                <a:ln>
+                  <a:noFill/>
+                </a:ln>
+                <a:solidFill>
+                  <a:sysClr val="window" lastClr="FFFFFF"/>
+                </a:solidFill>
+                <a:effectLst/>
+                <a:uLnTx/>
+                <a:uFillTx/>
+              </a:rPr>
+              <a:t>www.1ppt.com/kejian/ </a:t>
+            </a:r>
+          </a:p>
+          <a:p>
+            <a:pPr marL="0" marR="0" lvl="0" indent="0" defTabSz="914400" eaLnBrk="1" fontAlgn="auto" latinLnBrk="0" hangingPunct="1">
+              <a:lnSpc>
+                <a:spcPct val="100000"/>
+              </a:lnSpc>
+              <a:spcBef>
+                <a:spcPts val="0"/>
+              </a:spcBef>
+              <a:spcAft>
+                <a:spcPts val="0"/>
+              </a:spcAft>
+              <a:buClrTx/>
+              <a:buSzTx/>
+              <a:buFontTx/>
+              <a:buNone/>
+              <a:tabLst/>
+              <a:defRPr/>
+            </a:pPr>
+            <a:r>
+              <a:rPr kumimoji="0" lang="zh-CN" altLang="en-US" sz="100" b="0" i="0" u="none" strike="noStrike" kern="0" cap="none" spc="0" normalizeH="0" baseline="0" noProof="0" dirty="0">
+                <a:ln>
+                  <a:noFill/>
+                </a:ln>
+                <a:solidFill>
+                  <a:sysClr val="window" lastClr="FFFFFF"/>
+                </a:solidFill>
+                <a:effectLst/>
+                <a:uLnTx/>
+                <a:uFillTx/>
+              </a:rPr>
+              <a:t>范文下载：</a:t>
+            </a:r>
+            <a:r>
+              <a:rPr kumimoji="0" lang="en-US" altLang="zh-CN" sz="100" b="0" i="0" u="none" strike="noStrike" kern="0" cap="none" spc="0" normalizeH="0" baseline="0" noProof="0" dirty="0">
+                <a:ln>
+                  <a:noFill/>
+                </a:ln>
+                <a:solidFill>
+                  <a:sysClr val="window" lastClr="FFFFFF"/>
+                </a:solidFill>
+                <a:effectLst/>
+                <a:uLnTx/>
+                <a:uFillTx/>
+              </a:rPr>
+              <a:t>www.1ppt.com/fanwen/             </a:t>
+            </a:r>
+            <a:r>
+              <a:rPr kumimoji="0" lang="zh-CN" altLang="en-US" sz="100" b="0" i="0" u="none" strike="noStrike" kern="0" cap="none" spc="0" normalizeH="0" baseline="0" noProof="0" dirty="0">
+                <a:ln>
+                  <a:noFill/>
+                </a:ln>
+                <a:solidFill>
+                  <a:sysClr val="window" lastClr="FFFFFF"/>
+                </a:solidFill>
+                <a:effectLst/>
+                <a:uLnTx/>
+                <a:uFillTx/>
+              </a:rPr>
+              <a:t>试卷下载：</a:t>
+            </a:r>
+            <a:r>
+              <a:rPr kumimoji="0" lang="en-US" altLang="zh-CN" sz="100" b="0" i="0" u="none" strike="noStrike" kern="0" cap="none" spc="0" normalizeH="0" baseline="0" noProof="0" dirty="0">
+                <a:ln>
+                  <a:noFill/>
+                </a:ln>
+                <a:solidFill>
+                  <a:sysClr val="window" lastClr="FFFFFF"/>
+                </a:solidFill>
+                <a:effectLst/>
+                <a:uLnTx/>
+                <a:uFillTx/>
+              </a:rPr>
+              <a:t>www.1ppt.com/shiti/  </a:t>
+            </a:r>
+          </a:p>
+          <a:p>
+            <a:pPr marL="0" marR="0" lvl="0" indent="0" defTabSz="914400" eaLnBrk="1" fontAlgn="auto" latinLnBrk="0" hangingPunct="1">
+              <a:lnSpc>
+                <a:spcPct val="100000"/>
+              </a:lnSpc>
+              <a:spcBef>
+                <a:spcPts val="0"/>
+              </a:spcBef>
+              <a:spcAft>
+                <a:spcPts val="0"/>
+              </a:spcAft>
+              <a:buClrTx/>
+              <a:buSzTx/>
+              <a:buFontTx/>
+              <a:buNone/>
+              <a:tabLst/>
+              <a:defRPr/>
+            </a:pPr>
+            <a:r>
+              <a:rPr kumimoji="0" lang="zh-CN" altLang="en-US" sz="100" b="0" i="0" u="none" strike="noStrike" kern="0" cap="none" spc="0" normalizeH="0" baseline="0" noProof="0" dirty="0">
+                <a:ln>
+                  <a:noFill/>
+                </a:ln>
+                <a:solidFill>
+                  <a:sysClr val="window" lastClr="FFFFFF"/>
+                </a:solidFill>
+                <a:effectLst/>
+                <a:uLnTx/>
+                <a:uFillTx/>
+              </a:rPr>
+              <a:t>教案下载：</a:t>
+            </a:r>
+            <a:r>
+              <a:rPr kumimoji="0" lang="en-US" altLang="zh-CN" sz="100" b="0" i="0" u="none" strike="noStrike" kern="0" cap="none" spc="0" normalizeH="0" baseline="0" noProof="0" dirty="0">
+                <a:ln>
+                  <a:noFill/>
+                </a:ln>
+                <a:solidFill>
+                  <a:sysClr val="window" lastClr="FFFFFF"/>
+                </a:solidFill>
+                <a:effectLst/>
+                <a:uLnTx/>
+                <a:uFillTx/>
+              </a:rPr>
+              <a:t>www.1ppt.com/jiaoan/        PPT</a:t>
+            </a:r>
+            <a:r>
+              <a:rPr kumimoji="0" lang="zh-CN" altLang="en-US" sz="100" b="0" i="0" u="none" strike="noStrike" kern="0" cap="none" spc="0" normalizeH="0" baseline="0" noProof="0" dirty="0">
+                <a:ln>
+                  <a:noFill/>
+                </a:ln>
+                <a:solidFill>
+                  <a:sysClr val="window" lastClr="FFFFFF"/>
+                </a:solidFill>
+                <a:effectLst/>
+                <a:uLnTx/>
+                <a:uFillTx/>
+              </a:rPr>
+              <a:t>论坛：</a:t>
+            </a:r>
+            <a:r>
+              <a:rPr kumimoji="0" lang="en-US" altLang="zh-CN" sz="100" b="0" i="0" u="none" strike="noStrike" kern="0" cap="none" spc="0" normalizeH="0" baseline="0" noProof="0" dirty="0">
+                <a:ln>
+                  <a:noFill/>
+                </a:ln>
+                <a:solidFill>
+                  <a:sysClr val="window" lastClr="FFFFFF"/>
+                </a:solidFill>
+                <a:effectLst/>
+                <a:uLnTx/>
+                <a:uFillTx/>
+              </a:rPr>
+              <a:t>www.1ppt.cn</a:t>
+            </a:r>
+          </a:p>
+          <a:p>
+            <a:pPr marL="0" marR="0" lvl="0" indent="0" defTabSz="914400" eaLnBrk="1" fontAlgn="auto" latinLnBrk="0" hangingPunct="1">
+              <a:lnSpc>
+                <a:spcPct val="100000"/>
+              </a:lnSpc>
+              <a:spcBef>
+                <a:spcPts val="0"/>
+              </a:spcBef>
+              <a:spcAft>
+                <a:spcPts val="0"/>
+              </a:spcAft>
+              <a:buClrTx/>
+              <a:buSzTx/>
+              <a:buFontTx/>
+              <a:buNone/>
+              <a:tabLst/>
+              <a:defRPr/>
+            </a:pPr>
+            <a:r>
+              <a:rPr kumimoji="0" lang="en-US" altLang="zh-CN" sz="100" b="0" i="0" u="none" strike="noStrike" kern="0" cap="none" spc="0" normalizeH="0" baseline="0" noProof="0" dirty="0">
+                <a:ln>
+                  <a:noFill/>
+                </a:ln>
+                <a:solidFill>
+                  <a:sysClr val="window" lastClr="FFFFFF"/>
+                </a:solidFill>
+                <a:effectLst/>
+                <a:uLnTx/>
+                <a:uFillTx/>
+              </a:rPr>
+              <a:t> </a:t>
+            </a:r>
+            <a:endParaRPr kumimoji="0" lang="zh-CN" altLang="en-US" sz="100" b="0" i="0" u="none" strike="noStrike" kern="0" cap="none" spc="0" normalizeH="0" baseline="0" noProof="0" dirty="0">
+              <a:ln>
+                <a:noFill/>
+              </a:ln>
+              <a:solidFill>
+                <a:sysClr val="window" lastClr="FFFFFF"/>
+              </a:solidFill>
+              <a:effectLst/>
+              <a:uLnTx/>
+              <a:uFillTx/>
+            </a:endParaRPr>
+          </a:p>
+        </p:txBody>
+      </p:sp>
       <p:pic>
         <p:nvPicPr>
           <p:cNvPr id="7" name="图片 6">
@@ -6248,7 +8168,7 @@
           <p:nvPr/>
         </p:nvPicPr>
         <p:blipFill>
-          <a:blip r:embed="rId3"/>
+          <a:blip r:embed="rId2"/>
           <a:stretch>
             <a:fillRect/>
           </a:stretch>
@@ -6279,7 +8199,7 @@
 </p:sld>
 </file>
 
-<file path=ppt/slides/slide4.xml><?xml version="1.0" encoding="utf-8"?>
+<file path=ppt/slides/slide6.xml><?xml version="1.0" encoding="utf-8"?>
 <p:sld xmlns:a="http://schemas.openxmlformats.org/drawingml/2006/main" xmlns:r="http://schemas.openxmlformats.org/officeDocument/2006/relationships" xmlns:p="http://schemas.openxmlformats.org/presentationml/2006/main">
   <p:cSld>
     <p:spTree>
@@ -7228,7 +9148,7 @@
 </p:sld>
 </file>
 
-<file path=ppt/slides/slide5.xml><?xml version="1.0" encoding="utf-8"?>
+<file path=ppt/slides/slide7.xml><?xml version="1.0" encoding="utf-8"?>
 <p:sld xmlns:a="http://schemas.openxmlformats.org/drawingml/2006/main" xmlns:r="http://schemas.openxmlformats.org/officeDocument/2006/relationships" xmlns:p="http://schemas.openxmlformats.org/presentationml/2006/main">
   <p:cSld>
     <p:spTree>
@@ -8083,7 +10003,7 @@
 </p:sld>
 </file>
 
-<file path=ppt/slides/slide6.xml><?xml version="1.0" encoding="utf-8"?>
+<file path=ppt/slides/slide8.xml><?xml version="1.0" encoding="utf-8"?>
 <p:sld xmlns:a="http://schemas.openxmlformats.org/drawingml/2006/main" xmlns:r="http://schemas.openxmlformats.org/officeDocument/2006/relationships" xmlns:p="http://schemas.openxmlformats.org/presentationml/2006/main">
   <p:cSld>
     <p:spTree>
